--- a/fall/sem_6_code_style/presentations/Семинар_6.pptx
+++ b/fall/sem_6_code_style/presentations/Семинар_6.pptx
@@ -5,23 +5,134 @@
     <p:sldMasterId id="2147483648" r:id="rId1"/>
   </p:sldMasterIdLst>
   <p:sldIdLst>
-    <p:sldId id="256" r:id="rId6"/>
-    <p:sldId id="257" r:id="rId7"/>
-    <p:sldId id="258" r:id="rId8"/>
-    <p:sldId id="259" r:id="rId9"/>
-    <p:sldId id="260" r:id="rId10"/>
-    <p:sldId id="261" r:id="rId11"/>
-    <p:sldId id="262" r:id="rId12"/>
-    <p:sldId id="263" r:id="rId13"/>
-    <p:sldId id="264" r:id="rId14"/>
+    <p:sldId id="256" r:id="rId2"/>
+    <p:sldId id="257" r:id="rId3"/>
+    <p:sldId id="258" r:id="rId4"/>
+    <p:sldId id="259" r:id="rId5"/>
+    <p:sldId id="260" r:id="rId6"/>
+    <p:sldId id="261" r:id="rId7"/>
+    <p:sldId id="262" r:id="rId8"/>
+    <p:sldId id="263" r:id="rId9"/>
+    <p:sldId id="264" r:id="rId10"/>
   </p:sldIdLst>
   <p:sldSz cx="12192000" cy="6858000"/>
   <p:notesSz cx="12192000" cy="6858000"/>
+  <p:defaultTextStyle>
+    <a:defPPr>
+      <a:defRPr lang="ru-RU"/>
+    </a:defPPr>
+    <a:lvl1pPr marL="0" algn="l" defTabSz="914400" rtl="0" eaLnBrk="1" latinLnBrk="0" hangingPunct="1">
+      <a:defRPr sz="1800" kern="1200">
+        <a:solidFill>
+          <a:schemeClr val="tx1"/>
+        </a:solidFill>
+        <a:latin typeface="+mn-lt"/>
+        <a:ea typeface="+mn-ea"/>
+        <a:cs typeface="+mn-cs"/>
+      </a:defRPr>
+    </a:lvl1pPr>
+    <a:lvl2pPr marL="457200" algn="l" defTabSz="914400" rtl="0" eaLnBrk="1" latinLnBrk="0" hangingPunct="1">
+      <a:defRPr sz="1800" kern="1200">
+        <a:solidFill>
+          <a:schemeClr val="tx1"/>
+        </a:solidFill>
+        <a:latin typeface="+mn-lt"/>
+        <a:ea typeface="+mn-ea"/>
+        <a:cs typeface="+mn-cs"/>
+      </a:defRPr>
+    </a:lvl2pPr>
+    <a:lvl3pPr marL="914400" algn="l" defTabSz="914400" rtl="0" eaLnBrk="1" latinLnBrk="0" hangingPunct="1">
+      <a:defRPr sz="1800" kern="1200">
+        <a:solidFill>
+          <a:schemeClr val="tx1"/>
+        </a:solidFill>
+        <a:latin typeface="+mn-lt"/>
+        <a:ea typeface="+mn-ea"/>
+        <a:cs typeface="+mn-cs"/>
+      </a:defRPr>
+    </a:lvl3pPr>
+    <a:lvl4pPr marL="1371600" algn="l" defTabSz="914400" rtl="0" eaLnBrk="1" latinLnBrk="0" hangingPunct="1">
+      <a:defRPr sz="1800" kern="1200">
+        <a:solidFill>
+          <a:schemeClr val="tx1"/>
+        </a:solidFill>
+        <a:latin typeface="+mn-lt"/>
+        <a:ea typeface="+mn-ea"/>
+        <a:cs typeface="+mn-cs"/>
+      </a:defRPr>
+    </a:lvl4pPr>
+    <a:lvl5pPr marL="1828800" algn="l" defTabSz="914400" rtl="0" eaLnBrk="1" latinLnBrk="0" hangingPunct="1">
+      <a:defRPr sz="1800" kern="1200">
+        <a:solidFill>
+          <a:schemeClr val="tx1"/>
+        </a:solidFill>
+        <a:latin typeface="+mn-lt"/>
+        <a:ea typeface="+mn-ea"/>
+        <a:cs typeface="+mn-cs"/>
+      </a:defRPr>
+    </a:lvl5pPr>
+    <a:lvl6pPr marL="2286000" algn="l" defTabSz="914400" rtl="0" eaLnBrk="1" latinLnBrk="0" hangingPunct="1">
+      <a:defRPr sz="1800" kern="1200">
+        <a:solidFill>
+          <a:schemeClr val="tx1"/>
+        </a:solidFill>
+        <a:latin typeface="+mn-lt"/>
+        <a:ea typeface="+mn-ea"/>
+        <a:cs typeface="+mn-cs"/>
+      </a:defRPr>
+    </a:lvl6pPr>
+    <a:lvl7pPr marL="2743200" algn="l" defTabSz="914400" rtl="0" eaLnBrk="1" latinLnBrk="0" hangingPunct="1">
+      <a:defRPr sz="1800" kern="1200">
+        <a:solidFill>
+          <a:schemeClr val="tx1"/>
+        </a:solidFill>
+        <a:latin typeface="+mn-lt"/>
+        <a:ea typeface="+mn-ea"/>
+        <a:cs typeface="+mn-cs"/>
+      </a:defRPr>
+    </a:lvl7pPr>
+    <a:lvl8pPr marL="3200400" algn="l" defTabSz="914400" rtl="0" eaLnBrk="1" latinLnBrk="0" hangingPunct="1">
+      <a:defRPr sz="1800" kern="1200">
+        <a:solidFill>
+          <a:schemeClr val="tx1"/>
+        </a:solidFill>
+        <a:latin typeface="+mn-lt"/>
+        <a:ea typeface="+mn-ea"/>
+        <a:cs typeface="+mn-cs"/>
+      </a:defRPr>
+    </a:lvl8pPr>
+    <a:lvl9pPr marL="3657600" algn="l" defTabSz="914400" rtl="0" eaLnBrk="1" latinLnBrk="0" hangingPunct="1">
+      <a:defRPr sz="1800" kern="1200">
+        <a:solidFill>
+          <a:schemeClr val="tx1"/>
+        </a:solidFill>
+        <a:latin typeface="+mn-lt"/>
+        <a:ea typeface="+mn-ea"/>
+        <a:cs typeface="+mn-cs"/>
+      </a:defRPr>
+    </a:lvl9pPr>
+  </p:defaultTextStyle>
+  <p:extLst>
+    <p:ext uri="{EFAFB233-063F-42B5-8137-9DF3F51BA10A}">
+      <p15:sldGuideLst xmlns:p15="http://schemas.microsoft.com/office/powerpoint/2012/main">
+        <p15:guide id="1" orient="horz" pos="2880">
+          <p15:clr>
+            <a:srgbClr val="A4A3A4"/>
+          </p15:clr>
+        </p15:guide>
+        <p15:guide id="2" pos="2160">
+          <p15:clr>
+            <a:srgbClr val="A4A3A4"/>
+          </p15:clr>
+        </p15:guide>
+      </p15:sldGuideLst>
+    </p:ext>
+  </p:extLst>
 </p:presentation>
 </file>
 
 <file path=ppt/slideLayouts/slideLayout1.xml><?xml version="1.0" encoding="utf-8"?>
-<p:sldLayout xmlns:a="http://schemas.openxmlformats.org/drawingml/2006/main" xmlns:r="http://schemas.openxmlformats.org/officeDocument/2006/relationships" xmlns:p="http://schemas.openxmlformats.org/presentationml/2006/main" preserve="1" type="obj">
+<p:sldLayout xmlns:a="http://schemas.openxmlformats.org/drawingml/2006/main" xmlns:r="http://schemas.openxmlformats.org/officeDocument/2006/relationships" xmlns:p="http://schemas.openxmlformats.org/presentationml/2006/main" type="obj" preserve="1">
   <p:cSld name="Title Slide">
     <p:spTree>
       <p:nvGrpSpPr>
@@ -65,7 +176,9 @@
               <a:defRPr/>
             </a:lvl1pPr>
           </a:lstStyle>
-          <a:p/>
+          <a:p>
+            <a:endParaRPr/>
+          </a:p>
         </p:txBody>
       </p:sp>
       <p:sp>
@@ -96,7 +209,9 @@
               <a:defRPr/>
             </a:lvl1pPr>
           </a:lstStyle>
-          <a:p/>
+          <a:p>
+            <a:endParaRPr/>
+          </a:p>
         </p:txBody>
       </p:sp>
       <p:sp>
@@ -106,7 +221,7 @@
             <a:spLocks noGrp="1"/>
           </p:cNvSpPr>
           <p:nvPr>
-            <p:ph type="ftr" idx="5" sz="quarter"/>
+            <p:ph type="ftr" sz="quarter" idx="5"/>
           </p:nvPr>
         </p:nvSpPr>
         <p:spPr/>
@@ -123,7 +238,9 @@
               </a:defRPr>
             </a:lvl1pPr>
           </a:lstStyle>
-          <a:p/>
+          <a:p>
+            <a:endParaRPr/>
+          </a:p>
         </p:txBody>
       </p:sp>
       <p:sp>
@@ -133,7 +250,7 @@
             <a:spLocks noGrp="1"/>
           </p:cNvSpPr>
           <p:nvPr>
-            <p:ph type="dt" idx="6" sz="half"/>
+            <p:ph type="dt" sz="half" idx="6"/>
           </p:nvPr>
         </p:nvSpPr>
         <p:spPr/>
@@ -153,7 +270,9 @@
           <a:p>
             <a:fld id="{1D8BD707-D9CF-40AE-B4C6-C98DA3205C09}" type="datetimeFigureOut">
               <a:rPr lang="en-US"/>
+              <a:t>10/10/2024</a:t>
             </a:fld>
+            <a:endParaRPr lang="en-US"/>
           </a:p>
         </p:txBody>
       </p:sp>
@@ -164,7 +283,7 @@
             <a:spLocks noGrp="1"/>
           </p:cNvSpPr>
           <p:nvPr>
-            <p:ph type="sldNum" idx="7" sz="quarter"/>
+            <p:ph type="sldNum" sz="quarter" idx="7"/>
           </p:nvPr>
         </p:nvSpPr>
         <p:spPr/>
@@ -183,8 +302,9 @@
           </a:lstStyle>
           <a:p>
             <a:fld id="{B6F15528-21DE-4FAA-801E-634DDDAF4B2B}" type="slidenum">
-              <a:t>#</a:t>
+              <a:t>‹#›</a:t>
             </a:fld>
+            <a:endParaRPr/>
           </a:p>
         </p:txBody>
       </p:sp>
@@ -197,7 +317,7 @@
 </file>
 
 <file path=ppt/slideLayouts/slideLayout2.xml><?xml version="1.0" encoding="utf-8"?>
-<p:sldLayout xmlns:a="http://schemas.openxmlformats.org/drawingml/2006/main" xmlns:r="http://schemas.openxmlformats.org/officeDocument/2006/relationships" xmlns:p="http://schemas.openxmlformats.org/presentationml/2006/main" preserve="1" type="obj">
+<p:sldLayout xmlns:a="http://schemas.openxmlformats.org/drawingml/2006/main" xmlns:r="http://schemas.openxmlformats.org/officeDocument/2006/relationships" xmlns:p="http://schemas.openxmlformats.org/presentationml/2006/main" type="obj" preserve="1">
   <p:cSld name="Title and Content">
     <p:spTree>
       <p:nvGrpSpPr>
@@ -237,7 +357,9 @@
               </a:defRPr>
             </a:lvl1pPr>
           </a:lstStyle>
-          <a:p/>
+          <a:p>
+            <a:endParaRPr/>
+          </a:p>
         </p:txBody>
       </p:sp>
       <p:sp>
@@ -264,7 +386,9 @@
               </a:defRPr>
             </a:lvl1pPr>
           </a:lstStyle>
-          <a:p/>
+          <a:p>
+            <a:endParaRPr/>
+          </a:p>
         </p:txBody>
       </p:sp>
       <p:sp>
@@ -274,7 +398,7 @@
             <a:spLocks noGrp="1"/>
           </p:cNvSpPr>
           <p:nvPr>
-            <p:ph type="ftr" idx="5" sz="quarter"/>
+            <p:ph type="ftr" sz="quarter" idx="5"/>
           </p:nvPr>
         </p:nvSpPr>
         <p:spPr/>
@@ -291,7 +415,9 @@
               </a:defRPr>
             </a:lvl1pPr>
           </a:lstStyle>
-          <a:p/>
+          <a:p>
+            <a:endParaRPr/>
+          </a:p>
         </p:txBody>
       </p:sp>
       <p:sp>
@@ -301,7 +427,7 @@
             <a:spLocks noGrp="1"/>
           </p:cNvSpPr>
           <p:nvPr>
-            <p:ph type="dt" idx="6" sz="half"/>
+            <p:ph type="dt" sz="half" idx="6"/>
           </p:nvPr>
         </p:nvSpPr>
         <p:spPr/>
@@ -321,7 +447,9 @@
           <a:p>
             <a:fld id="{1D8BD707-D9CF-40AE-B4C6-C98DA3205C09}" type="datetimeFigureOut">
               <a:rPr lang="en-US"/>
+              <a:t>10/10/2024</a:t>
             </a:fld>
+            <a:endParaRPr lang="en-US"/>
           </a:p>
         </p:txBody>
       </p:sp>
@@ -332,7 +460,7 @@
             <a:spLocks noGrp="1"/>
           </p:cNvSpPr>
           <p:nvPr>
-            <p:ph type="sldNum" idx="7" sz="quarter"/>
+            <p:ph type="sldNum" sz="quarter" idx="7"/>
           </p:nvPr>
         </p:nvSpPr>
         <p:spPr/>
@@ -351,8 +479,9 @@
           </a:lstStyle>
           <a:p>
             <a:fld id="{B6F15528-21DE-4FAA-801E-634DDDAF4B2B}" type="slidenum">
-              <a:t>#</a:t>
+              <a:t>‹#›</a:t>
             </a:fld>
+            <a:endParaRPr/>
           </a:p>
         </p:txBody>
       </p:sp>
@@ -365,7 +494,7 @@
 </file>
 
 <file path=ppt/slideLayouts/slideLayout3.xml><?xml version="1.0" encoding="utf-8"?>
-<p:sldLayout xmlns:a="http://schemas.openxmlformats.org/drawingml/2006/main" xmlns:r="http://schemas.openxmlformats.org/officeDocument/2006/relationships" xmlns:p="http://schemas.openxmlformats.org/presentationml/2006/main" preserve="1" type="obj">
+<p:sldLayout xmlns:a="http://schemas.openxmlformats.org/drawingml/2006/main" xmlns:r="http://schemas.openxmlformats.org/officeDocument/2006/relationships" xmlns:p="http://schemas.openxmlformats.org/presentationml/2006/main" type="obj" preserve="1">
   <p:cSld name="Two Content">
     <p:spTree>
       <p:nvGrpSpPr>
@@ -405,7 +534,9 @@
               </a:defRPr>
             </a:lvl1pPr>
           </a:lstStyle>
-          <a:p/>
+          <a:p>
+            <a:endParaRPr/>
+          </a:p>
         </p:txBody>
       </p:sp>
       <p:sp>
@@ -415,7 +546,7 @@
             <a:spLocks noGrp="1"/>
           </p:cNvSpPr>
           <p:nvPr>
-            <p:ph idx="2" sz="half"/>
+            <p:ph sz="half" idx="2"/>
           </p:nvPr>
         </p:nvSpPr>
         <p:spPr>
@@ -436,7 +567,9 @@
               <a:defRPr/>
             </a:lvl1pPr>
           </a:lstStyle>
-          <a:p/>
+          <a:p>
+            <a:endParaRPr/>
+          </a:p>
         </p:txBody>
       </p:sp>
       <p:sp>
@@ -446,7 +579,7 @@
             <a:spLocks noGrp="1"/>
           </p:cNvSpPr>
           <p:nvPr>
-            <p:ph idx="3" sz="half"/>
+            <p:ph sz="half" idx="3"/>
           </p:nvPr>
         </p:nvSpPr>
         <p:spPr>
@@ -467,7 +600,9 @@
               <a:defRPr/>
             </a:lvl1pPr>
           </a:lstStyle>
-          <a:p/>
+          <a:p>
+            <a:endParaRPr/>
+          </a:p>
         </p:txBody>
       </p:sp>
       <p:sp>
@@ -477,7 +612,7 @@
             <a:spLocks noGrp="1"/>
           </p:cNvSpPr>
           <p:nvPr>
-            <p:ph type="ftr" idx="5" sz="quarter"/>
+            <p:ph type="ftr" sz="quarter" idx="5"/>
           </p:nvPr>
         </p:nvSpPr>
         <p:spPr/>
@@ -494,7 +629,9 @@
               </a:defRPr>
             </a:lvl1pPr>
           </a:lstStyle>
-          <a:p/>
+          <a:p>
+            <a:endParaRPr/>
+          </a:p>
         </p:txBody>
       </p:sp>
       <p:sp>
@@ -504,7 +641,7 @@
             <a:spLocks noGrp="1"/>
           </p:cNvSpPr>
           <p:nvPr>
-            <p:ph type="dt" idx="6" sz="half"/>
+            <p:ph type="dt" sz="half" idx="6"/>
           </p:nvPr>
         </p:nvSpPr>
         <p:spPr/>
@@ -524,7 +661,9 @@
           <a:p>
             <a:fld id="{1D8BD707-D9CF-40AE-B4C6-C98DA3205C09}" type="datetimeFigureOut">
               <a:rPr lang="en-US"/>
+              <a:t>10/10/2024</a:t>
             </a:fld>
+            <a:endParaRPr lang="en-US"/>
           </a:p>
         </p:txBody>
       </p:sp>
@@ -535,7 +674,7 @@
             <a:spLocks noGrp="1"/>
           </p:cNvSpPr>
           <p:nvPr>
-            <p:ph type="sldNum" idx="7" sz="quarter"/>
+            <p:ph type="sldNum" sz="quarter" idx="7"/>
           </p:nvPr>
         </p:nvSpPr>
         <p:spPr/>
@@ -554,8 +693,9 @@
           </a:lstStyle>
           <a:p>
             <a:fld id="{B6F15528-21DE-4FAA-801E-634DDDAF4B2B}" type="slidenum">
-              <a:t>#</a:t>
+              <a:t>‹#›</a:t>
             </a:fld>
+            <a:endParaRPr/>
           </a:p>
         </p:txBody>
       </p:sp>
@@ -568,7 +708,7 @@
 </file>
 
 <file path=ppt/slideLayouts/slideLayout4.xml><?xml version="1.0" encoding="utf-8"?>
-<p:sldLayout xmlns:a="http://schemas.openxmlformats.org/drawingml/2006/main" xmlns:r="http://schemas.openxmlformats.org/officeDocument/2006/relationships" xmlns:p="http://schemas.openxmlformats.org/presentationml/2006/main" preserve="1" type="obj">
+<p:sldLayout xmlns:a="http://schemas.openxmlformats.org/drawingml/2006/main" xmlns:r="http://schemas.openxmlformats.org/officeDocument/2006/relationships" xmlns:p="http://schemas.openxmlformats.org/presentationml/2006/main" type="obj" preserve="1">
   <p:cSld name="Title Only">
     <p:spTree>
       <p:nvGrpSpPr>
@@ -608,7 +748,9 @@
               </a:defRPr>
             </a:lvl1pPr>
           </a:lstStyle>
-          <a:p/>
+          <a:p>
+            <a:endParaRPr/>
+          </a:p>
         </p:txBody>
       </p:sp>
       <p:sp>
@@ -618,7 +760,7 @@
             <a:spLocks noGrp="1"/>
           </p:cNvSpPr>
           <p:nvPr>
-            <p:ph type="ftr" idx="5" sz="quarter"/>
+            <p:ph type="ftr" sz="quarter" idx="5"/>
           </p:nvPr>
         </p:nvSpPr>
         <p:spPr/>
@@ -635,7 +777,9 @@
               </a:defRPr>
             </a:lvl1pPr>
           </a:lstStyle>
-          <a:p/>
+          <a:p>
+            <a:endParaRPr/>
+          </a:p>
         </p:txBody>
       </p:sp>
       <p:sp>
@@ -645,7 +789,7 @@
             <a:spLocks noGrp="1"/>
           </p:cNvSpPr>
           <p:nvPr>
-            <p:ph type="dt" idx="6" sz="half"/>
+            <p:ph type="dt" sz="half" idx="6"/>
           </p:nvPr>
         </p:nvSpPr>
         <p:spPr/>
@@ -665,7 +809,9 @@
           <a:p>
             <a:fld id="{1D8BD707-D9CF-40AE-B4C6-C98DA3205C09}" type="datetimeFigureOut">
               <a:rPr lang="en-US"/>
+              <a:t>10/10/2024</a:t>
             </a:fld>
+            <a:endParaRPr lang="en-US"/>
           </a:p>
         </p:txBody>
       </p:sp>
@@ -676,7 +822,7 @@
             <a:spLocks noGrp="1"/>
           </p:cNvSpPr>
           <p:nvPr>
-            <p:ph type="sldNum" idx="7" sz="quarter"/>
+            <p:ph type="sldNum" sz="quarter" idx="7"/>
           </p:nvPr>
         </p:nvSpPr>
         <p:spPr/>
@@ -695,8 +841,9 @@
           </a:lstStyle>
           <a:p>
             <a:fld id="{B6F15528-21DE-4FAA-801E-634DDDAF4B2B}" type="slidenum">
-              <a:t>#</a:t>
+              <a:t>‹#›</a:t>
             </a:fld>
+            <a:endParaRPr/>
           </a:p>
         </p:txBody>
       </p:sp>
@@ -709,7 +856,7 @@
 </file>
 
 <file path=ppt/slideLayouts/slideLayout5.xml><?xml version="1.0" encoding="utf-8"?>
-<p:sldLayout xmlns:a="http://schemas.openxmlformats.org/drawingml/2006/main" xmlns:r="http://schemas.openxmlformats.org/officeDocument/2006/relationships" xmlns:p="http://schemas.openxmlformats.org/presentationml/2006/main" preserve="1" type="obj">
+<p:sldLayout xmlns:a="http://schemas.openxmlformats.org/drawingml/2006/main" xmlns:r="http://schemas.openxmlformats.org/officeDocument/2006/relationships" xmlns:p="http://schemas.openxmlformats.org/presentationml/2006/main" type="obj" preserve="1">
   <p:cSld name="Blank">
     <p:spTree>
       <p:nvGrpSpPr>
@@ -732,7 +879,7 @@
             <a:spLocks noGrp="1"/>
           </p:cNvSpPr>
           <p:nvPr>
-            <p:ph type="ftr" idx="5" sz="quarter"/>
+            <p:ph type="ftr" sz="quarter" idx="5"/>
           </p:nvPr>
         </p:nvSpPr>
         <p:spPr/>
@@ -749,7 +896,9 @@
               </a:defRPr>
             </a:lvl1pPr>
           </a:lstStyle>
-          <a:p/>
+          <a:p>
+            <a:endParaRPr/>
+          </a:p>
         </p:txBody>
       </p:sp>
       <p:sp>
@@ -759,7 +908,7 @@
             <a:spLocks noGrp="1"/>
           </p:cNvSpPr>
           <p:nvPr>
-            <p:ph type="dt" idx="6" sz="half"/>
+            <p:ph type="dt" sz="half" idx="6"/>
           </p:nvPr>
         </p:nvSpPr>
         <p:spPr/>
@@ -779,7 +928,9 @@
           <a:p>
             <a:fld id="{1D8BD707-D9CF-40AE-B4C6-C98DA3205C09}" type="datetimeFigureOut">
               <a:rPr lang="en-US"/>
+              <a:t>10/10/2024</a:t>
             </a:fld>
+            <a:endParaRPr lang="en-US"/>
           </a:p>
         </p:txBody>
       </p:sp>
@@ -790,7 +941,7 @@
             <a:spLocks noGrp="1"/>
           </p:cNvSpPr>
           <p:nvPr>
-            <p:ph type="sldNum" idx="7" sz="quarter"/>
+            <p:ph type="sldNum" sz="quarter" idx="7"/>
           </p:nvPr>
         </p:nvSpPr>
         <p:spPr/>
@@ -809,8 +960,9 @@
           </a:lstStyle>
           <a:p>
             <a:fld id="{B6F15528-21DE-4FAA-801E-634DDDAF4B2B}" type="slidenum">
-              <a:t>#</a:t>
+              <a:t>‹#›</a:t>
             </a:fld>
+            <a:endParaRPr/>
           </a:p>
         </p:txBody>
       </p:sp>
@@ -881,7 +1033,9 @@
               </a:defRPr>
             </a:lvl1pPr>
           </a:lstStyle>
-          <a:p/>
+          <a:p>
+            <a:endParaRPr/>
+          </a:p>
         </p:txBody>
       </p:sp>
       <p:sp>
@@ -918,7 +1072,9 @@
               </a:defRPr>
             </a:lvl1pPr>
           </a:lstStyle>
-          <a:p/>
+          <a:p>
+            <a:endParaRPr/>
+          </a:p>
         </p:txBody>
       </p:sp>
       <p:sp>
@@ -928,7 +1084,7 @@
             <a:spLocks noGrp="1"/>
           </p:cNvSpPr>
           <p:nvPr>
-            <p:ph type="ftr" idx="5" sz="quarter"/>
+            <p:ph type="ftr" sz="quarter" idx="5"/>
           </p:nvPr>
         </p:nvSpPr>
         <p:spPr>
@@ -955,7 +1111,9 @@
               </a:defRPr>
             </a:lvl1pPr>
           </a:lstStyle>
-          <a:p/>
+          <a:p>
+            <a:endParaRPr/>
+          </a:p>
         </p:txBody>
       </p:sp>
       <p:sp>
@@ -965,7 +1123,7 @@
             <a:spLocks noGrp="1"/>
           </p:cNvSpPr>
           <p:nvPr>
-            <p:ph type="dt" idx="6" sz="half"/>
+            <p:ph type="dt" sz="half" idx="6"/>
           </p:nvPr>
         </p:nvSpPr>
         <p:spPr>
@@ -995,7 +1153,9 @@
           <a:p>
             <a:fld id="{1D8BD707-D9CF-40AE-B4C6-C98DA3205C09}" type="datetimeFigureOut">
               <a:rPr lang="en-US"/>
+              <a:t>10/10/2024</a:t>
             </a:fld>
+            <a:endParaRPr lang="en-US"/>
           </a:p>
         </p:txBody>
       </p:sp>
@@ -1006,7 +1166,7 @@
             <a:spLocks noGrp="1"/>
           </p:cNvSpPr>
           <p:nvPr>
-            <p:ph type="sldNum" idx="7" sz="quarter"/>
+            <p:ph type="sldNum" sz="quarter" idx="7"/>
           </p:nvPr>
         </p:nvSpPr>
         <p:spPr>
@@ -1035,14 +1195,15 @@
           </a:lstStyle>
           <a:p>
             <a:fld id="{B6F15528-21DE-4FAA-801E-634DDDAF4B2B}" type="slidenum">
-              <a:t>#</a:t>
+              <a:t>‹#›</a:t>
             </a:fld>
+            <a:endParaRPr/>
           </a:p>
         </p:txBody>
       </p:sp>
     </p:spTree>
   </p:cSld>
-  <p:clrMap folHlink="folHlink" hlink="hlink" accent1="accent1" accent2="accent2" accent3="accent3" accent4="accent4" accent5="accent5" accent6="accent6" tx2="dk2" bg2="lt2" tx1="dk1" bg1="lt1"/>
+  <p:clrMap bg1="lt1" tx1="dk1" bg2="lt2" tx2="dk2" accent1="accent1" accent2="accent2" accent3="accent3" accent4="accent4" accent5="accent5" accent6="accent6" hlink="hlink" folHlink="folHlink"/>
   <p:sldLayoutIdLst>
     <p:sldLayoutId id="2147483661" r:id="rId1"/>
     <p:sldLayoutId id="2147483662" r:id="rId2"/>
@@ -1222,79 +1383,19 @@
           </p:nvPr>
         </p:nvSpPr>
         <p:spPr>
-          <a:prstGeom prst="rect"/>
+          <a:xfrm>
+            <a:off x="2629141" y="1644530"/>
+            <a:ext cx="6933717" cy="1750479"/>
+          </a:xfrm>
+          <a:prstGeom prst="rect">
+            <a:avLst/>
+          </a:prstGeom>
         </p:spPr>
         <p:txBody>
-          <a:bodyPr wrap="square" lIns="0" tIns="11430" rIns="0" bIns="0" rtlCol="0" vert="horz">
+          <a:bodyPr vert="horz" wrap="square" lIns="0" tIns="11430" rIns="0" bIns="0" rtlCol="0">
             <a:spAutoFit/>
           </a:bodyPr>
           <a:lstStyle/>
-          <a:p>
-            <a:pPr algn="ctr">
-              <a:lnSpc>
-                <a:spcPct val="100000"/>
-              </a:lnSpc>
-              <a:spcBef>
-                <a:spcPts val="90"/>
-              </a:spcBef>
-            </a:pPr>
-            <a:r>
-              <a:rPr dirty="0" spc="-1575"/>
-              <a:t>С</a:t>
-            </a:r>
-            <a:r>
-              <a:rPr dirty="0" spc="-2515"/>
-              <a:t>е</a:t>
-            </a:r>
-            <a:r>
-              <a:rPr dirty="0" spc="-1775"/>
-              <a:t>м</a:t>
-            </a:r>
-            <a:r>
-              <a:rPr dirty="0" spc="-2500"/>
-              <a:t>и</a:t>
-            </a:r>
-            <a:r>
-              <a:rPr dirty="0" spc="-2540"/>
-              <a:t>н</a:t>
-            </a:r>
-            <a:r>
-              <a:rPr dirty="0" spc="-2515"/>
-              <a:t>ар</a:t>
-            </a:r>
-            <a:r>
-              <a:rPr dirty="0" spc="-5"/>
-              <a:t> </a:t>
-            </a:r>
-            <a:r>
-              <a:rPr dirty="0" spc="-2595"/>
-              <a:t>п</a:t>
-            </a:r>
-            <a:r>
-              <a:rPr dirty="0" spc="-2515"/>
-              <a:t>о</a:t>
-            </a:r>
-            <a:r>
-              <a:rPr dirty="0" spc="-5"/>
-              <a:t> </a:t>
-            </a:r>
-            <a:r>
-              <a:rPr dirty="0" spc="-5"/>
-              <a:t>C++</a:t>
-            </a:r>
-            <a:r>
-              <a:rPr dirty="0" spc="-5"/>
-              <a:t> </a:t>
-            </a:r>
-            <a:r>
-              <a:rPr dirty="0" spc="400"/>
-              <a:t>№</a:t>
-            </a:r>
-            <a:r>
-              <a:rPr dirty="0" spc="-5"/>
-              <a:t>6</a:t>
-            </a:r>
-          </a:p>
           <a:p>
             <a:pPr algn="ctr">
               <a:lnSpc>
@@ -1305,9 +1406,20 @@
               </a:spcBef>
             </a:pPr>
             <a:r>
-              <a:rPr dirty="0" spc="-5"/>
+              <a:rPr lang="ru-RU" spc="-5" dirty="0">
+                <a:latin typeface="Arial" panose="020B0604020202020204" pitchFamily="34" charset="0"/>
+                <a:cs typeface="Arial" panose="020B0604020202020204" pitchFamily="34" charset="0"/>
+              </a:rPr>
+              <a:t>Семинар 6</a:t>
+            </a:r>
+            <a:br>
+              <a:rPr lang="ru-RU" spc="-5" dirty="0"/>
+            </a:br>
+            <a:r>
+              <a:rPr spc="-5" dirty="0" err="1"/>
               <a:t>Codestyle</a:t>
             </a:r>
+            <a:endParaRPr spc="-5" dirty="0"/>
           </a:p>
         </p:txBody>
       </p:sp>
@@ -1351,10 +1463,12 @@
             <a:off x="871219" y="642446"/>
             <a:ext cx="2821305" cy="695960"/>
           </a:xfrm>
-          <a:prstGeom prst="rect"/>
+          <a:prstGeom prst="rect">
+            <a:avLst/>
+          </a:prstGeom>
         </p:spPr>
         <p:txBody>
-          <a:bodyPr wrap="square" lIns="0" tIns="12700" rIns="0" bIns="0" rtlCol="0" vert="horz">
+          <a:bodyPr vert="horz" wrap="square" lIns="0" tIns="12700" rIns="0" bIns="0" rtlCol="0">
             <a:spAutoFit/>
           </a:bodyPr>
           <a:lstStyle/>
@@ -1368,7 +1482,7 @@
               </a:spcBef>
             </a:pPr>
             <a:r>
-              <a:rPr dirty="0" sz="4400" spc="-5"/>
+              <a:rPr sz="4400" spc="-5" dirty="0"/>
               <a:t>Abstraction</a:t>
             </a:r>
             <a:endParaRPr sz="4400"/>
@@ -1391,7 +1505,7 @@
           </a:prstGeom>
         </p:spPr>
         <p:txBody>
-          <a:bodyPr wrap="square" lIns="0" tIns="12700" rIns="0" bIns="0" rtlCol="0" vert="horz">
+          <a:bodyPr vert="horz" wrap="square" lIns="0" tIns="12700" rIns="0" bIns="0" rtlCol="0">
             <a:spAutoFit/>
           </a:bodyPr>
           <a:lstStyle/>
@@ -1410,91 +1524,91 @@
               </a:tabLst>
             </a:pPr>
             <a:r>
-              <a:rPr dirty="0" sz="3600" spc="-5" b="1">
+              <a:rPr sz="3600" b="1" spc="-5" dirty="0">
                 <a:latin typeface="Arial"/>
                 <a:cs typeface="Arial"/>
               </a:rPr>
               <a:t>Abstraction </a:t>
             </a:r>
             <a:r>
-              <a:rPr dirty="0" sz="3600">
+              <a:rPr sz="3600" dirty="0">
                 <a:latin typeface="Arial MT"/>
                 <a:cs typeface="Arial MT"/>
               </a:rPr>
               <a:t>– hiding </a:t>
             </a:r>
             <a:r>
-              <a:rPr dirty="0" sz="3600" spc="-5">
+              <a:rPr sz="3600" spc="-5" dirty="0">
                 <a:latin typeface="Arial MT"/>
                 <a:cs typeface="Arial MT"/>
               </a:rPr>
               <a:t>details </a:t>
             </a:r>
             <a:r>
-              <a:rPr dirty="0" sz="3600" spc="-994">
-                <a:latin typeface="Arial MT"/>
-                <a:cs typeface="Arial MT"/>
-              </a:rPr>
-              <a:t> </a:t>
-            </a:r>
-            <a:r>
-              <a:rPr dirty="0" sz="3600">
+              <a:rPr sz="3600" spc="-994" dirty="0">
+                <a:latin typeface="Arial MT"/>
+                <a:cs typeface="Arial MT"/>
+              </a:rPr>
+              <a:t> </a:t>
+            </a:r>
+            <a:r>
+              <a:rPr sz="3600" dirty="0">
                 <a:latin typeface="Arial MT"/>
                 <a:cs typeface="Arial MT"/>
               </a:rPr>
               <a:t>when</a:t>
             </a:r>
             <a:r>
-              <a:rPr dirty="0" sz="3600" spc="-10">
-                <a:latin typeface="Arial MT"/>
-                <a:cs typeface="Arial MT"/>
-              </a:rPr>
-              <a:t> </a:t>
-            </a:r>
-            <a:r>
-              <a:rPr dirty="0" sz="3600" spc="-5">
+              <a:rPr sz="3600" spc="-10" dirty="0">
+                <a:latin typeface="Arial MT"/>
+                <a:cs typeface="Arial MT"/>
+              </a:rPr>
+              <a:t> </a:t>
+            </a:r>
+            <a:r>
+              <a:rPr sz="3600" spc="-5" dirty="0">
                 <a:latin typeface="Arial MT"/>
                 <a:cs typeface="Arial MT"/>
               </a:rPr>
               <a:t>they</a:t>
             </a:r>
             <a:r>
-              <a:rPr dirty="0" sz="3600" spc="-10">
-                <a:latin typeface="Arial MT"/>
-                <a:cs typeface="Arial MT"/>
-              </a:rPr>
-              <a:t> </a:t>
-            </a:r>
-            <a:r>
-              <a:rPr dirty="0" sz="3600">
+              <a:rPr sz="3600" spc="-10" dirty="0">
+                <a:latin typeface="Arial MT"/>
+                <a:cs typeface="Arial MT"/>
+              </a:rPr>
+              <a:t> </a:t>
+            </a:r>
+            <a:r>
+              <a:rPr sz="3600" dirty="0">
                 <a:latin typeface="Arial MT"/>
                 <a:cs typeface="Arial MT"/>
               </a:rPr>
               <a:t>are</a:t>
             </a:r>
             <a:r>
-              <a:rPr dirty="0" sz="3600" spc="-10">
-                <a:latin typeface="Arial MT"/>
-                <a:cs typeface="Arial MT"/>
-              </a:rPr>
-              <a:t> </a:t>
-            </a:r>
-            <a:r>
-              <a:rPr dirty="0" sz="3600">
+              <a:rPr sz="3600" spc="-10" dirty="0">
+                <a:latin typeface="Arial MT"/>
+                <a:cs typeface="Arial MT"/>
+              </a:rPr>
+              <a:t> </a:t>
+            </a:r>
+            <a:r>
+              <a:rPr sz="3600" dirty="0">
                 <a:latin typeface="Arial MT"/>
                 <a:cs typeface="Arial MT"/>
               </a:rPr>
               <a:t>not</a:t>
             </a:r>
             <a:r>
-              <a:rPr dirty="0" sz="3600" spc="-10">
-                <a:latin typeface="Arial MT"/>
-                <a:cs typeface="Arial MT"/>
-              </a:rPr>
-              <a:t> </a:t>
-            </a:r>
-            <a:r>
-              <a:rPr dirty="0" sz="3600" spc="-5">
+              <a:rPr sz="3600" spc="-10" dirty="0">
+                <a:latin typeface="Arial MT"/>
+                <a:cs typeface="Arial MT"/>
+              </a:rPr>
+              <a:t> </a:t>
+            </a:r>
+            <a:r>
+              <a:rPr sz="3600" spc="-5" dirty="0">
                 <a:latin typeface="Arial MT"/>
                 <a:cs typeface="Arial MT"/>
               </a:rPr>
@@ -1545,7 +1659,7 @@
           </a:prstGeom>
         </p:spPr>
         <p:txBody>
-          <a:bodyPr wrap="square" lIns="0" tIns="27940" rIns="0" bIns="0" rtlCol="0" vert="horz">
+          <a:bodyPr vert="horz" wrap="square" lIns="0" tIns="27940" rIns="0" bIns="0" rtlCol="0">
             <a:spAutoFit/>
           </a:bodyPr>
           <a:lstStyle/>
@@ -1559,98 +1673,98 @@
               </a:spcBef>
             </a:pPr>
             <a:r>
-              <a:rPr dirty="0" sz="1800">
+              <a:rPr sz="1800" dirty="0">
                 <a:latin typeface="Arial MT"/>
                 <a:cs typeface="Arial MT"/>
               </a:rPr>
               <a:t>by </a:t>
             </a:r>
             <a:r>
-              <a:rPr dirty="0" sz="1800" spc="-5">
+              <a:rPr sz="1800" spc="-5" dirty="0">
                 <a:latin typeface="Arial MT"/>
                 <a:cs typeface="Arial MT"/>
               </a:rPr>
               <a:t>«Digital</a:t>
             </a:r>
             <a:r>
-              <a:rPr dirty="0" sz="1800" spc="5">
-                <a:latin typeface="Arial MT"/>
-                <a:cs typeface="Arial MT"/>
-              </a:rPr>
-              <a:t> </a:t>
-            </a:r>
-            <a:r>
-              <a:rPr dirty="0" sz="1800">
+              <a:rPr sz="1800" spc="5" dirty="0">
+                <a:latin typeface="Arial MT"/>
+                <a:cs typeface="Arial MT"/>
+              </a:rPr>
+              <a:t> </a:t>
+            </a:r>
+            <a:r>
+              <a:rPr sz="1800" dirty="0">
                 <a:latin typeface="Arial MT"/>
                 <a:cs typeface="Arial MT"/>
               </a:rPr>
               <a:t>Design</a:t>
             </a:r>
             <a:r>
-              <a:rPr dirty="0" sz="1800" spc="5">
-                <a:latin typeface="Arial MT"/>
-                <a:cs typeface="Arial MT"/>
-              </a:rPr>
-              <a:t> </a:t>
-            </a:r>
-            <a:r>
-              <a:rPr dirty="0" sz="1800">
+              <a:rPr sz="1800" spc="5" dirty="0">
+                <a:latin typeface="Arial MT"/>
+                <a:cs typeface="Arial MT"/>
+              </a:rPr>
+              <a:t> </a:t>
+            </a:r>
+            <a:r>
+              <a:rPr sz="1800" dirty="0">
                 <a:latin typeface="Arial MT"/>
                 <a:cs typeface="Arial MT"/>
               </a:rPr>
               <a:t>and</a:t>
             </a:r>
             <a:r>
-              <a:rPr dirty="0" sz="1800" spc="5">
-                <a:latin typeface="Arial MT"/>
-                <a:cs typeface="Arial MT"/>
-              </a:rPr>
-              <a:t> </a:t>
-            </a:r>
-            <a:r>
-              <a:rPr dirty="0" sz="1800" spc="-5">
+              <a:rPr sz="1800" spc="5" dirty="0">
+                <a:latin typeface="Arial MT"/>
+                <a:cs typeface="Arial MT"/>
+              </a:rPr>
+              <a:t> </a:t>
+            </a:r>
+            <a:r>
+              <a:rPr sz="1800" spc="-5" dirty="0">
                 <a:latin typeface="Arial MT"/>
                 <a:cs typeface="Arial MT"/>
               </a:rPr>
               <a:t>Computer</a:t>
             </a:r>
             <a:r>
-              <a:rPr dirty="0" sz="1800" spc="-100">
-                <a:latin typeface="Arial MT"/>
-                <a:cs typeface="Arial MT"/>
-              </a:rPr>
-              <a:t> </a:t>
-            </a:r>
-            <a:r>
-              <a:rPr dirty="0" sz="1800" spc="-5">
+              <a:rPr sz="1800" spc="-100" dirty="0">
+                <a:latin typeface="Arial MT"/>
+                <a:cs typeface="Arial MT"/>
+              </a:rPr>
+              <a:t> </a:t>
+            </a:r>
+            <a:r>
+              <a:rPr sz="1800" spc="-5" dirty="0">
                 <a:latin typeface="Arial MT"/>
                 <a:cs typeface="Arial MT"/>
               </a:rPr>
               <a:t>Architecture» </a:t>
             </a:r>
             <a:r>
-              <a:rPr dirty="0" sz="1800" spc="-484">
-                <a:latin typeface="Arial MT"/>
-                <a:cs typeface="Arial MT"/>
-              </a:rPr>
-              <a:t> </a:t>
-            </a:r>
-            <a:r>
-              <a:rPr dirty="0" sz="1800">
+              <a:rPr sz="1800" spc="-484" dirty="0">
+                <a:latin typeface="Arial MT"/>
+                <a:cs typeface="Arial MT"/>
+              </a:rPr>
+              <a:t> </a:t>
+            </a:r>
+            <a:r>
+              <a:rPr sz="1800" dirty="0">
                 <a:latin typeface="Arial MT"/>
                 <a:cs typeface="Arial MT"/>
               </a:rPr>
               <a:t>Harris</a:t>
             </a:r>
             <a:r>
-              <a:rPr dirty="0" sz="1800" spc="-10">
-                <a:latin typeface="Arial MT"/>
-                <a:cs typeface="Arial MT"/>
-              </a:rPr>
-              <a:t> </a:t>
-            </a:r>
-            <a:r>
-              <a:rPr dirty="0" sz="1800">
+              <a:rPr sz="1800" spc="-10" dirty="0">
+                <a:latin typeface="Arial MT"/>
+                <a:cs typeface="Arial MT"/>
+              </a:rPr>
+              <a:t> </a:t>
+            </a:r>
+            <a:r>
+              <a:rPr sz="1800" dirty="0">
                 <a:latin typeface="Arial MT"/>
                 <a:cs typeface="Arial MT"/>
               </a:rPr>
@@ -1703,10 +1817,12 @@
             <a:off x="871219" y="642446"/>
             <a:ext cx="2417445" cy="695960"/>
           </a:xfrm>
-          <a:prstGeom prst="rect"/>
+          <a:prstGeom prst="rect">
+            <a:avLst/>
+          </a:prstGeom>
         </p:spPr>
         <p:txBody>
-          <a:bodyPr wrap="square" lIns="0" tIns="12700" rIns="0" bIns="0" rtlCol="0" vert="horz">
+          <a:bodyPr vert="horz" wrap="square" lIns="0" tIns="12700" rIns="0" bIns="0" rtlCol="0">
             <a:spAutoFit/>
           </a:bodyPr>
           <a:lstStyle/>
@@ -1720,7 +1836,7 @@
               </a:spcBef>
             </a:pPr>
             <a:r>
-              <a:rPr dirty="0" sz="4400"/>
+              <a:rPr sz="4400" dirty="0"/>
               <a:t>Discipline</a:t>
             </a:r>
             <a:endParaRPr sz="4400"/>
@@ -1743,7 +1859,7 @@
           </a:prstGeom>
         </p:spPr>
         <p:txBody>
-          <a:bodyPr wrap="square" lIns="0" tIns="12700" rIns="0" bIns="0" rtlCol="0" vert="horz">
+          <a:bodyPr vert="horz" wrap="square" lIns="0" tIns="12700" rIns="0" bIns="0" rtlCol="0">
             <a:spAutoFit/>
           </a:bodyPr>
           <a:lstStyle/>
@@ -1762,119 +1878,119 @@
               </a:tabLst>
             </a:pPr>
             <a:r>
-              <a:rPr dirty="0" sz="2800" b="1">
+              <a:rPr sz="2800" b="1" dirty="0">
                 <a:latin typeface="Arial"/>
                 <a:cs typeface="Arial"/>
               </a:rPr>
               <a:t>Discipline</a:t>
             </a:r>
             <a:r>
-              <a:rPr dirty="0" sz="2800" spc="-30" b="1">
+              <a:rPr sz="2800" b="1" spc="-30" dirty="0">
                 <a:latin typeface="Arial"/>
                 <a:cs typeface="Arial"/>
               </a:rPr>
               <a:t> </a:t>
             </a:r>
             <a:r>
-              <a:rPr dirty="0" sz="2800">
+              <a:rPr sz="2800" dirty="0">
                 <a:latin typeface="Arial MT"/>
                 <a:cs typeface="Arial MT"/>
               </a:rPr>
               <a:t>is</a:t>
             </a:r>
             <a:r>
-              <a:rPr dirty="0" sz="2800" spc="-25">
-                <a:latin typeface="Arial MT"/>
-                <a:cs typeface="Arial MT"/>
-              </a:rPr>
-              <a:t> </a:t>
-            </a:r>
-            <a:r>
-              <a:rPr dirty="0" sz="2800" spc="-5">
+              <a:rPr sz="2800" spc="-25" dirty="0">
+                <a:latin typeface="Arial MT"/>
+                <a:cs typeface="Arial MT"/>
+              </a:rPr>
+              <a:t> </a:t>
+            </a:r>
+            <a:r>
+              <a:rPr sz="2800" spc="-5" dirty="0">
                 <a:latin typeface="Arial MT"/>
                 <a:cs typeface="Arial MT"/>
               </a:rPr>
               <a:t>the</a:t>
             </a:r>
             <a:r>
-              <a:rPr dirty="0" sz="2800" spc="-25">
-                <a:latin typeface="Arial MT"/>
-                <a:cs typeface="Arial MT"/>
-              </a:rPr>
-              <a:t> </a:t>
-            </a:r>
-            <a:r>
-              <a:rPr dirty="0" sz="2800">
+              <a:rPr sz="2800" spc="-25" dirty="0">
+                <a:latin typeface="Arial MT"/>
+                <a:cs typeface="Arial MT"/>
+              </a:rPr>
+              <a:t> </a:t>
+            </a:r>
+            <a:r>
+              <a:rPr sz="2800" dirty="0">
                 <a:latin typeface="Arial MT"/>
                 <a:cs typeface="Arial MT"/>
               </a:rPr>
               <a:t>act</a:t>
             </a:r>
             <a:r>
-              <a:rPr dirty="0" sz="2800" spc="-25">
-                <a:latin typeface="Arial MT"/>
-                <a:cs typeface="Arial MT"/>
-              </a:rPr>
-              <a:t> </a:t>
-            </a:r>
-            <a:r>
-              <a:rPr dirty="0" sz="2800">
+              <a:rPr sz="2800" spc="-25" dirty="0">
+                <a:latin typeface="Arial MT"/>
+                <a:cs typeface="Arial MT"/>
+              </a:rPr>
+              <a:t> </a:t>
+            </a:r>
+            <a:r>
+              <a:rPr sz="2800" dirty="0">
                 <a:latin typeface="Arial MT"/>
                 <a:cs typeface="Arial MT"/>
               </a:rPr>
               <a:t>of </a:t>
             </a:r>
             <a:r>
-              <a:rPr dirty="0" sz="2800" spc="-765">
-                <a:latin typeface="Arial MT"/>
-                <a:cs typeface="Arial MT"/>
-              </a:rPr>
-              <a:t> </a:t>
-            </a:r>
-            <a:r>
-              <a:rPr dirty="0" sz="2800" spc="-5">
+              <a:rPr sz="2800" spc="-765" dirty="0">
+                <a:latin typeface="Arial MT"/>
+                <a:cs typeface="Arial MT"/>
+              </a:rPr>
+              <a:t> </a:t>
+            </a:r>
+            <a:r>
+              <a:rPr sz="2800" spc="-5" dirty="0">
                 <a:latin typeface="Arial MT"/>
                 <a:cs typeface="Arial MT"/>
               </a:rPr>
               <a:t>intentionally restricting </a:t>
             </a:r>
             <a:r>
-              <a:rPr dirty="0" sz="2800">
+              <a:rPr sz="2800" dirty="0">
                 <a:latin typeface="Arial MT"/>
                 <a:cs typeface="Arial MT"/>
               </a:rPr>
               <a:t> your design choices so </a:t>
             </a:r>
             <a:r>
-              <a:rPr dirty="0" sz="2800" spc="5">
-                <a:latin typeface="Arial MT"/>
-                <a:cs typeface="Arial MT"/>
-              </a:rPr>
-              <a:t> </a:t>
-            </a:r>
-            <a:r>
-              <a:rPr dirty="0" sz="2800" spc="-5">
+              <a:rPr sz="2800" spc="5" dirty="0">
+                <a:latin typeface="Arial MT"/>
+                <a:cs typeface="Arial MT"/>
+              </a:rPr>
+              <a:t> </a:t>
+            </a:r>
+            <a:r>
+              <a:rPr sz="2800" spc="-5" dirty="0">
                 <a:latin typeface="Arial MT"/>
                 <a:cs typeface="Arial MT"/>
               </a:rPr>
               <a:t>that </a:t>
             </a:r>
             <a:r>
-              <a:rPr dirty="0" sz="2800">
+              <a:rPr sz="2800" dirty="0">
                 <a:latin typeface="Arial MT"/>
                 <a:cs typeface="Arial MT"/>
               </a:rPr>
               <a:t>you can work more </a:t>
             </a:r>
             <a:r>
-              <a:rPr dirty="0" sz="2800" spc="5">
-                <a:latin typeface="Arial MT"/>
-                <a:cs typeface="Arial MT"/>
-              </a:rPr>
-              <a:t> </a:t>
-            </a:r>
-            <a:r>
-              <a:rPr dirty="0" sz="2800" spc="-5">
+              <a:rPr sz="2800" spc="5" dirty="0">
+                <a:latin typeface="Arial MT"/>
+                <a:cs typeface="Arial MT"/>
+              </a:rPr>
+              <a:t> </a:t>
+            </a:r>
+            <a:r>
+              <a:rPr sz="2800" spc="-5" dirty="0">
                 <a:latin typeface="Arial MT"/>
                 <a:cs typeface="Arial MT"/>
               </a:rPr>
@@ -1895,63 +2011,63 @@
               </a:spcBef>
             </a:pPr>
             <a:r>
-              <a:rPr dirty="0" sz="2800">
+              <a:rPr sz="2800" dirty="0">
                 <a:latin typeface="Arial MT"/>
                 <a:cs typeface="Arial MT"/>
               </a:rPr>
               <a:t>at</a:t>
             </a:r>
             <a:r>
-              <a:rPr dirty="0" sz="2800" spc="-25">
-                <a:latin typeface="Arial MT"/>
-                <a:cs typeface="Arial MT"/>
-              </a:rPr>
-              <a:t> </a:t>
-            </a:r>
-            <a:r>
-              <a:rPr dirty="0" sz="2800">
+              <a:rPr sz="2800" spc="-25" dirty="0">
+                <a:latin typeface="Arial MT"/>
+                <a:cs typeface="Arial MT"/>
+              </a:rPr>
+              <a:t> </a:t>
+            </a:r>
+            <a:r>
+              <a:rPr sz="2800" dirty="0">
                 <a:latin typeface="Arial MT"/>
                 <a:cs typeface="Arial MT"/>
               </a:rPr>
               <a:t>a</a:t>
             </a:r>
             <a:r>
-              <a:rPr dirty="0" sz="2800" spc="-20">
-                <a:latin typeface="Arial MT"/>
-                <a:cs typeface="Arial MT"/>
-              </a:rPr>
-              <a:t> </a:t>
-            </a:r>
-            <a:r>
-              <a:rPr dirty="0" sz="2800">
+              <a:rPr sz="2800" spc="-20" dirty="0">
+                <a:latin typeface="Arial MT"/>
+                <a:cs typeface="Arial MT"/>
+              </a:rPr>
+              <a:t> </a:t>
+            </a:r>
+            <a:r>
+              <a:rPr sz="2800" dirty="0">
                 <a:latin typeface="Arial MT"/>
                 <a:cs typeface="Arial MT"/>
               </a:rPr>
               <a:t>higher</a:t>
             </a:r>
             <a:r>
-              <a:rPr dirty="0" sz="2800" spc="-25">
-                <a:latin typeface="Arial MT"/>
-                <a:cs typeface="Arial MT"/>
-              </a:rPr>
-              <a:t> </a:t>
-            </a:r>
-            <a:r>
-              <a:rPr dirty="0" sz="2800">
+              <a:rPr sz="2800" spc="-25" dirty="0">
+                <a:latin typeface="Arial MT"/>
+                <a:cs typeface="Arial MT"/>
+              </a:rPr>
+              <a:t> </a:t>
+            </a:r>
+            <a:r>
+              <a:rPr sz="2800" dirty="0">
                 <a:latin typeface="Arial MT"/>
                 <a:cs typeface="Arial MT"/>
               </a:rPr>
               <a:t>level</a:t>
             </a:r>
             <a:r>
-              <a:rPr dirty="0" sz="2800" spc="-20">
-                <a:latin typeface="Arial MT"/>
-                <a:cs typeface="Arial MT"/>
-              </a:rPr>
-              <a:t> </a:t>
-            </a:r>
-            <a:r>
-              <a:rPr dirty="0" sz="2800">
+              <a:rPr sz="2800" spc="-20" dirty="0">
+                <a:latin typeface="Arial MT"/>
+                <a:cs typeface="Arial MT"/>
+              </a:rPr>
+              <a:t> </a:t>
+            </a:r>
+            <a:r>
+              <a:rPr sz="2800" dirty="0">
                 <a:latin typeface="Arial MT"/>
                 <a:cs typeface="Arial MT"/>
               </a:rPr>
@@ -1972,7 +2088,7 @@
               </a:spcBef>
             </a:pPr>
             <a:r>
-              <a:rPr dirty="0" sz="2800" spc="-5" b="1">
+              <a:rPr sz="2800" b="1" spc="-5" dirty="0">
                 <a:latin typeface="Arial"/>
                 <a:cs typeface="Arial"/>
               </a:rPr>
@@ -2066,7 +2182,9 @@
           <p:txBody>
             <a:bodyPr wrap="square" lIns="0" tIns="0" rIns="0" bIns="0" rtlCol="0"/>
             <a:lstStyle/>
-            <a:p/>
+            <a:p>
+              <a:endParaRPr/>
+            </a:p>
           </p:txBody>
         </p:sp>
         <p:sp>
@@ -2116,7 +2234,9 @@
           <p:txBody>
             <a:bodyPr wrap="square" lIns="0" tIns="0" rIns="0" bIns="0" rtlCol="0"/>
             <a:lstStyle/>
-            <a:p/>
+            <a:p>
+              <a:endParaRPr/>
+            </a:p>
           </p:txBody>
         </p:sp>
       </p:grpSp>
@@ -2160,10 +2280,12 @@
             <a:off x="871219" y="642446"/>
             <a:ext cx="3545840" cy="695960"/>
           </a:xfrm>
-          <a:prstGeom prst="rect"/>
+          <a:prstGeom prst="rect">
+            <a:avLst/>
+          </a:prstGeom>
         </p:spPr>
         <p:txBody>
-          <a:bodyPr wrap="square" lIns="0" tIns="12700" rIns="0" bIns="0" rtlCol="0" vert="horz">
+          <a:bodyPr vert="horz" wrap="square" lIns="0" tIns="12700" rIns="0" bIns="0" rtlCol="0">
             <a:spAutoFit/>
           </a:bodyPr>
           <a:lstStyle/>
@@ -2177,15 +2299,15 @@
               </a:spcBef>
             </a:pPr>
             <a:r>
-              <a:rPr dirty="0" sz="4400" spc="-5"/>
+              <a:rPr sz="4400" spc="-5" dirty="0"/>
               <a:t>The</a:t>
             </a:r>
             <a:r>
-              <a:rPr dirty="0" sz="4400" spc="-160"/>
-              <a:t> </a:t>
-            </a:r>
-            <a:r>
-              <a:rPr dirty="0" sz="4400" spc="-10"/>
+              <a:rPr sz="4400" spc="-160" dirty="0"/>
+              <a:t> </a:t>
+            </a:r>
+            <a:r>
+              <a:rPr sz="4400" spc="-10" dirty="0"/>
               <a:t>Three-Y’s</a:t>
             </a:r>
             <a:endParaRPr sz="4400"/>
@@ -2208,7 +2330,7 @@
           </a:prstGeom>
         </p:spPr>
         <p:txBody>
-          <a:bodyPr wrap="square" lIns="0" tIns="64135" rIns="0" bIns="0" rtlCol="0" vert="horz">
+          <a:bodyPr vert="horz" wrap="square" lIns="0" tIns="64135" rIns="0" bIns="0" rtlCol="0">
             <a:spAutoFit/>
           </a:bodyPr>
           <a:lstStyle/>
@@ -2227,133 +2349,133 @@
               </a:tabLst>
             </a:pPr>
             <a:r>
-              <a:rPr dirty="0" sz="2300" b="1">
+              <a:rPr sz="2300" b="1" dirty="0">
                 <a:latin typeface="Arial"/>
                 <a:cs typeface="Arial"/>
               </a:rPr>
               <a:t>Hierarchy </a:t>
             </a:r>
             <a:r>
-              <a:rPr dirty="0" sz="2300">
+              <a:rPr sz="2300" dirty="0">
                 <a:latin typeface="Arial MT"/>
                 <a:cs typeface="Arial MT"/>
               </a:rPr>
               <a:t>involves dividing a </a:t>
             </a:r>
             <a:r>
-              <a:rPr dirty="0" sz="2300" spc="-5">
+              <a:rPr sz="2300" spc="-5" dirty="0">
                 <a:latin typeface="Arial MT"/>
                 <a:cs typeface="Arial MT"/>
               </a:rPr>
               <a:t>system into </a:t>
             </a:r>
             <a:r>
-              <a:rPr dirty="0" sz="2300">
+              <a:rPr sz="2300" dirty="0">
                 <a:latin typeface="Arial MT"/>
                 <a:cs typeface="Arial MT"/>
               </a:rPr>
               <a:t>modules, </a:t>
             </a:r>
             <a:r>
-              <a:rPr dirty="0" sz="2300" spc="-5">
+              <a:rPr sz="2300" spc="-5" dirty="0">
                 <a:latin typeface="Arial MT"/>
                 <a:cs typeface="Arial MT"/>
               </a:rPr>
               <a:t>then further </a:t>
             </a:r>
             <a:r>
-              <a:rPr dirty="0" sz="2300">
+              <a:rPr sz="2300" dirty="0">
                 <a:latin typeface="Arial MT"/>
                 <a:cs typeface="Arial MT"/>
               </a:rPr>
               <a:t>sub-dividing </a:t>
             </a:r>
             <a:r>
-              <a:rPr dirty="0" sz="2300" spc="-625">
-                <a:latin typeface="Arial MT"/>
-                <a:cs typeface="Arial MT"/>
-              </a:rPr>
-              <a:t> </a:t>
-            </a:r>
-            <a:r>
-              <a:rPr dirty="0" sz="2300">
+              <a:rPr sz="2300" spc="-625" dirty="0">
+                <a:latin typeface="Arial MT"/>
+                <a:cs typeface="Arial MT"/>
+              </a:rPr>
+              <a:t> </a:t>
+            </a:r>
+            <a:r>
+              <a:rPr sz="2300" dirty="0">
                 <a:latin typeface="Arial MT"/>
                 <a:cs typeface="Arial MT"/>
               </a:rPr>
               <a:t>each of</a:t>
             </a:r>
             <a:r>
-              <a:rPr dirty="0" sz="2300" spc="-5">
+              <a:rPr sz="2300" spc="-5" dirty="0">
                 <a:latin typeface="Arial MT"/>
                 <a:cs typeface="Arial MT"/>
               </a:rPr>
               <a:t> these</a:t>
             </a:r>
             <a:r>
-              <a:rPr dirty="0" sz="2300">
+              <a:rPr sz="2300" dirty="0">
                 <a:latin typeface="Arial MT"/>
                 <a:cs typeface="Arial MT"/>
               </a:rPr>
               <a:t> modules</a:t>
             </a:r>
             <a:r>
-              <a:rPr dirty="0" sz="2300" spc="-5">
+              <a:rPr sz="2300" spc="-5" dirty="0">
                 <a:latin typeface="Arial MT"/>
                 <a:cs typeface="Arial MT"/>
               </a:rPr>
               <a:t> until</a:t>
             </a:r>
             <a:r>
-              <a:rPr dirty="0" sz="2300">
-                <a:latin typeface="Arial MT"/>
-                <a:cs typeface="Arial MT"/>
-              </a:rPr>
-              <a:t> </a:t>
-            </a:r>
-            <a:r>
-              <a:rPr dirty="0" sz="2300" spc="-5">
+              <a:rPr sz="2300" dirty="0">
+                <a:latin typeface="Arial MT"/>
+                <a:cs typeface="Arial MT"/>
+              </a:rPr>
+              <a:t> </a:t>
+            </a:r>
+            <a:r>
+              <a:rPr sz="2300" spc="-5" dirty="0">
                 <a:latin typeface="Arial MT"/>
                 <a:cs typeface="Arial MT"/>
               </a:rPr>
               <a:t>the</a:t>
             </a:r>
             <a:r>
-              <a:rPr dirty="0" sz="2300">
+              <a:rPr sz="2300" dirty="0">
                 <a:latin typeface="Arial MT"/>
                 <a:cs typeface="Arial MT"/>
               </a:rPr>
               <a:t> pieces</a:t>
             </a:r>
             <a:r>
-              <a:rPr dirty="0" sz="2300" spc="-5">
-                <a:latin typeface="Arial MT"/>
-                <a:cs typeface="Arial MT"/>
-              </a:rPr>
-              <a:t> </a:t>
-            </a:r>
-            <a:r>
-              <a:rPr dirty="0" sz="2300">
+              <a:rPr sz="2300" spc="-5" dirty="0">
+                <a:latin typeface="Arial MT"/>
+                <a:cs typeface="Arial MT"/>
+              </a:rPr>
+              <a:t> </a:t>
+            </a:r>
+            <a:r>
+              <a:rPr sz="2300" dirty="0">
                 <a:latin typeface="Arial MT"/>
                 <a:cs typeface="Arial MT"/>
               </a:rPr>
               <a:t>are easy</a:t>
             </a:r>
             <a:r>
-              <a:rPr dirty="0" sz="2300" spc="-5">
+              <a:rPr sz="2300" spc="-5" dirty="0">
                 <a:latin typeface="Arial MT"/>
                 <a:cs typeface="Arial MT"/>
               </a:rPr>
               <a:t> to</a:t>
             </a:r>
             <a:r>
-              <a:rPr dirty="0" sz="2300">
-                <a:latin typeface="Arial MT"/>
-                <a:cs typeface="Arial MT"/>
-              </a:rPr>
-              <a:t> </a:t>
-            </a:r>
-            <a:r>
-              <a:rPr dirty="0" sz="2300" spc="-5">
+              <a:rPr sz="2300" dirty="0">
+                <a:latin typeface="Arial MT"/>
+                <a:cs typeface="Arial MT"/>
+              </a:rPr>
+              <a:t> </a:t>
+            </a:r>
+            <a:r>
+              <a:rPr sz="2300" spc="-5" dirty="0">
                 <a:latin typeface="Arial MT"/>
                 <a:cs typeface="Arial MT"/>
               </a:rPr>
@@ -2395,245 +2517,245 @@
               </a:tabLst>
             </a:pPr>
             <a:r>
-              <a:rPr dirty="0" sz="2300" spc="-5" b="1">
+              <a:rPr sz="2300" b="1" spc="-5" dirty="0">
                 <a:latin typeface="Arial"/>
                 <a:cs typeface="Arial"/>
               </a:rPr>
               <a:t>Modularity</a:t>
             </a:r>
             <a:r>
-              <a:rPr dirty="0" sz="2300" spc="5" b="1">
+              <a:rPr sz="2300" b="1" spc="5" dirty="0">
                 <a:latin typeface="Arial"/>
                 <a:cs typeface="Arial"/>
               </a:rPr>
               <a:t> </a:t>
             </a:r>
             <a:r>
-              <a:rPr dirty="0" sz="2300" spc="-5">
+              <a:rPr sz="2300" spc="-5" dirty="0">
                 <a:latin typeface="Arial MT"/>
                 <a:cs typeface="Arial MT"/>
               </a:rPr>
               <a:t>states</a:t>
             </a:r>
             <a:r>
-              <a:rPr dirty="0" sz="2300">
-                <a:latin typeface="Arial MT"/>
-                <a:cs typeface="Arial MT"/>
-              </a:rPr>
-              <a:t> </a:t>
-            </a:r>
-            <a:r>
-              <a:rPr dirty="0" sz="2300" spc="-5">
+              <a:rPr sz="2300" dirty="0">
+                <a:latin typeface="Arial MT"/>
+                <a:cs typeface="Arial MT"/>
+              </a:rPr>
+              <a:t> </a:t>
+            </a:r>
+            <a:r>
+              <a:rPr sz="2300" spc="-5" dirty="0">
                 <a:latin typeface="Arial MT"/>
                 <a:cs typeface="Arial MT"/>
               </a:rPr>
               <a:t>that</a:t>
             </a:r>
             <a:r>
-              <a:rPr dirty="0" sz="2300" spc="5">
-                <a:latin typeface="Arial MT"/>
-                <a:cs typeface="Arial MT"/>
-              </a:rPr>
-              <a:t> </a:t>
-            </a:r>
-            <a:r>
-              <a:rPr dirty="0" sz="2300" spc="-5">
+              <a:rPr sz="2300" spc="5" dirty="0">
+                <a:latin typeface="Arial MT"/>
+                <a:cs typeface="Arial MT"/>
+              </a:rPr>
+              <a:t> </a:t>
+            </a:r>
+            <a:r>
+              <a:rPr sz="2300" spc="-5" dirty="0">
                 <a:latin typeface="Arial MT"/>
                 <a:cs typeface="Arial MT"/>
               </a:rPr>
               <a:t>the</a:t>
             </a:r>
             <a:r>
-              <a:rPr dirty="0" sz="2300" spc="5">
-                <a:latin typeface="Arial MT"/>
-                <a:cs typeface="Arial MT"/>
-              </a:rPr>
-              <a:t> </a:t>
-            </a:r>
-            <a:r>
-              <a:rPr dirty="0" sz="2300">
+              <a:rPr sz="2300" spc="5" dirty="0">
+                <a:latin typeface="Arial MT"/>
+                <a:cs typeface="Arial MT"/>
+              </a:rPr>
+              <a:t> </a:t>
+            </a:r>
+            <a:r>
+              <a:rPr sz="2300" dirty="0">
                 <a:latin typeface="Arial MT"/>
                 <a:cs typeface="Arial MT"/>
               </a:rPr>
               <a:t>modules</a:t>
             </a:r>
             <a:r>
-              <a:rPr dirty="0" sz="2300" spc="5">
-                <a:latin typeface="Arial MT"/>
-                <a:cs typeface="Arial MT"/>
-              </a:rPr>
-              <a:t> </a:t>
-            </a:r>
-            <a:r>
-              <a:rPr dirty="0" sz="2300">
+              <a:rPr sz="2300" spc="5" dirty="0">
+                <a:latin typeface="Arial MT"/>
+                <a:cs typeface="Arial MT"/>
+              </a:rPr>
+              <a:t> </a:t>
+            </a:r>
+            <a:r>
+              <a:rPr sz="2300" dirty="0">
                 <a:latin typeface="Arial MT"/>
                 <a:cs typeface="Arial MT"/>
               </a:rPr>
               <a:t>have</a:t>
             </a:r>
             <a:r>
-              <a:rPr dirty="0" sz="2300" spc="5">
-                <a:latin typeface="Arial MT"/>
-                <a:cs typeface="Arial MT"/>
-              </a:rPr>
-              <a:t> </a:t>
-            </a:r>
-            <a:r>
-              <a:rPr dirty="0" sz="2300" spc="-5">
+              <a:rPr sz="2300" spc="5" dirty="0">
+                <a:latin typeface="Arial MT"/>
+                <a:cs typeface="Arial MT"/>
+              </a:rPr>
+              <a:t> </a:t>
+            </a:r>
+            <a:r>
+              <a:rPr sz="2300" spc="-5" dirty="0">
                 <a:latin typeface="Arial MT"/>
                 <a:cs typeface="Arial MT"/>
               </a:rPr>
               <a:t>well-defined</a:t>
             </a:r>
             <a:r>
-              <a:rPr dirty="0" sz="2300" spc="10">
-                <a:latin typeface="Arial MT"/>
-                <a:cs typeface="Arial MT"/>
-              </a:rPr>
-              <a:t> </a:t>
-            </a:r>
-            <a:r>
-              <a:rPr dirty="0" sz="2300" spc="-5">
+              <a:rPr sz="2300" spc="10" dirty="0">
+                <a:latin typeface="Arial MT"/>
+                <a:cs typeface="Arial MT"/>
+              </a:rPr>
+              <a:t> </a:t>
+            </a:r>
+            <a:r>
+              <a:rPr sz="2300" spc="-5" dirty="0">
                 <a:latin typeface="Arial MT"/>
                 <a:cs typeface="Arial MT"/>
               </a:rPr>
               <a:t>functions</a:t>
             </a:r>
             <a:r>
-              <a:rPr dirty="0" sz="2300">
+              <a:rPr sz="2300" dirty="0">
                 <a:latin typeface="Arial MT"/>
                 <a:cs typeface="Arial MT"/>
               </a:rPr>
               <a:t> and </a:t>
             </a:r>
             <a:r>
-              <a:rPr dirty="0" sz="2300" spc="-625">
-                <a:latin typeface="Arial MT"/>
-                <a:cs typeface="Arial MT"/>
-              </a:rPr>
-              <a:t> </a:t>
-            </a:r>
-            <a:r>
-              <a:rPr dirty="0" sz="2300" spc="-5">
+              <a:rPr sz="2300" spc="-625" dirty="0">
+                <a:latin typeface="Arial MT"/>
+                <a:cs typeface="Arial MT"/>
+              </a:rPr>
+              <a:t> </a:t>
+            </a:r>
+            <a:r>
+              <a:rPr sz="2300" spc="-5" dirty="0">
                 <a:latin typeface="Arial MT"/>
                 <a:cs typeface="Arial MT"/>
               </a:rPr>
               <a:t>interfaces,</a:t>
             </a:r>
             <a:r>
-              <a:rPr dirty="0" sz="2300">
+              <a:rPr sz="2300" dirty="0">
                 <a:latin typeface="Arial MT"/>
                 <a:cs typeface="Arial MT"/>
               </a:rPr>
               <a:t> so</a:t>
             </a:r>
             <a:r>
-              <a:rPr dirty="0" sz="2300" spc="10">
-                <a:latin typeface="Arial MT"/>
-                <a:cs typeface="Arial MT"/>
-              </a:rPr>
-              <a:t> </a:t>
-            </a:r>
-            <a:r>
-              <a:rPr dirty="0" sz="2300" spc="-5">
+              <a:rPr sz="2300" spc="10" dirty="0">
+                <a:latin typeface="Arial MT"/>
+                <a:cs typeface="Arial MT"/>
+              </a:rPr>
+              <a:t> </a:t>
+            </a:r>
+            <a:r>
+              <a:rPr sz="2300" spc="-5" dirty="0">
                 <a:latin typeface="Arial MT"/>
                 <a:cs typeface="Arial MT"/>
               </a:rPr>
               <a:t>that</a:t>
             </a:r>
             <a:r>
-              <a:rPr dirty="0" sz="2300" spc="5">
-                <a:latin typeface="Arial MT"/>
-                <a:cs typeface="Arial MT"/>
-              </a:rPr>
-              <a:t> </a:t>
-            </a:r>
-            <a:r>
-              <a:rPr dirty="0" sz="2300" spc="-5">
+              <a:rPr sz="2300" spc="5" dirty="0">
+                <a:latin typeface="Arial MT"/>
+                <a:cs typeface="Arial MT"/>
+              </a:rPr>
+              <a:t> </a:t>
+            </a:r>
+            <a:r>
+              <a:rPr sz="2300" spc="-5" dirty="0">
                 <a:latin typeface="Arial MT"/>
                 <a:cs typeface="Arial MT"/>
               </a:rPr>
               <a:t>they</a:t>
             </a:r>
             <a:r>
-              <a:rPr dirty="0" sz="2300" spc="5">
-                <a:latin typeface="Arial MT"/>
-                <a:cs typeface="Arial MT"/>
-              </a:rPr>
-              <a:t> </a:t>
-            </a:r>
-            <a:r>
-              <a:rPr dirty="0" sz="2300">
+              <a:rPr sz="2300" spc="5" dirty="0">
+                <a:latin typeface="Arial MT"/>
+                <a:cs typeface="Arial MT"/>
+              </a:rPr>
+              <a:t> </a:t>
+            </a:r>
+            <a:r>
+              <a:rPr sz="2300" dirty="0">
                 <a:latin typeface="Arial MT"/>
                 <a:cs typeface="Arial MT"/>
               </a:rPr>
               <a:t>connect</a:t>
             </a:r>
             <a:r>
-              <a:rPr dirty="0" sz="2300" spc="5">
-                <a:latin typeface="Arial MT"/>
-                <a:cs typeface="Arial MT"/>
-              </a:rPr>
-              <a:t> </a:t>
-            </a:r>
-            <a:r>
-              <a:rPr dirty="0" sz="2300" spc="-5">
+              <a:rPr sz="2300" spc="5" dirty="0">
+                <a:latin typeface="Arial MT"/>
+                <a:cs typeface="Arial MT"/>
+              </a:rPr>
+              <a:t> </a:t>
+            </a:r>
+            <a:r>
+              <a:rPr sz="2300" spc="-5" dirty="0">
                 <a:latin typeface="Arial MT"/>
                 <a:cs typeface="Arial MT"/>
               </a:rPr>
               <a:t>together</a:t>
             </a:r>
             <a:r>
-              <a:rPr dirty="0" sz="2300" spc="5">
-                <a:latin typeface="Arial MT"/>
-                <a:cs typeface="Arial MT"/>
-              </a:rPr>
-              <a:t> </a:t>
-            </a:r>
-            <a:r>
-              <a:rPr dirty="0" sz="2300">
+              <a:rPr sz="2300" spc="5" dirty="0">
+                <a:latin typeface="Arial MT"/>
+                <a:cs typeface="Arial MT"/>
+              </a:rPr>
+              <a:t> </a:t>
+            </a:r>
+            <a:r>
+              <a:rPr sz="2300" dirty="0">
                 <a:latin typeface="Arial MT"/>
                 <a:cs typeface="Arial MT"/>
               </a:rPr>
               <a:t>easily </a:t>
             </a:r>
             <a:r>
-              <a:rPr dirty="0" sz="2300" spc="-5">
+              <a:rPr sz="2300" spc="-5" dirty="0">
                 <a:latin typeface="Arial MT"/>
                 <a:cs typeface="Arial MT"/>
               </a:rPr>
               <a:t>without</a:t>
             </a:r>
             <a:r>
-              <a:rPr dirty="0" sz="2300" spc="5">
-                <a:latin typeface="Arial MT"/>
-                <a:cs typeface="Arial MT"/>
-              </a:rPr>
-              <a:t> </a:t>
-            </a:r>
-            <a:r>
-              <a:rPr dirty="0" sz="2300" spc="-5">
+              <a:rPr sz="2300" spc="5" dirty="0">
+                <a:latin typeface="Arial MT"/>
+                <a:cs typeface="Arial MT"/>
+              </a:rPr>
+              <a:t> </a:t>
+            </a:r>
+            <a:r>
+              <a:rPr sz="2300" spc="-5" dirty="0">
                 <a:latin typeface="Arial MT"/>
                 <a:cs typeface="Arial MT"/>
               </a:rPr>
               <a:t>unanticipated </a:t>
             </a:r>
             <a:r>
-              <a:rPr dirty="0" sz="2300">
+              <a:rPr sz="2300" dirty="0">
                 <a:latin typeface="Arial MT"/>
                 <a:cs typeface="Arial MT"/>
               </a:rPr>
               <a:t> side</a:t>
             </a:r>
             <a:r>
-              <a:rPr dirty="0" sz="2300" spc="-5">
-                <a:latin typeface="Arial MT"/>
-                <a:cs typeface="Arial MT"/>
-              </a:rPr>
-              <a:t> </a:t>
-            </a:r>
-            <a:r>
-              <a:rPr dirty="0" sz="2300" spc="-10">
+              <a:rPr sz="2300" spc="-5" dirty="0">
+                <a:latin typeface="Arial MT"/>
+                <a:cs typeface="Arial MT"/>
+              </a:rPr>
+              <a:t> </a:t>
+            </a:r>
+            <a:r>
+              <a:rPr sz="2300" spc="-10" dirty="0">
                 <a:latin typeface="Arial MT"/>
                 <a:cs typeface="Arial MT"/>
               </a:rPr>
@@ -2675,126 +2797,126 @@
               </a:tabLst>
             </a:pPr>
             <a:r>
-              <a:rPr dirty="0" sz="2300" spc="-5" b="1">
+              <a:rPr sz="2300" b="1" spc="-5" dirty="0">
                 <a:latin typeface="Arial"/>
                 <a:cs typeface="Arial"/>
               </a:rPr>
               <a:t>Regularity </a:t>
             </a:r>
             <a:r>
-              <a:rPr dirty="0" sz="2300">
+              <a:rPr sz="2300" dirty="0">
                 <a:latin typeface="Arial MT"/>
                 <a:cs typeface="Arial MT"/>
               </a:rPr>
               <a:t>seeks </a:t>
             </a:r>
             <a:r>
-              <a:rPr dirty="0" sz="2300" spc="-5">
+              <a:rPr sz="2300" spc="-5" dirty="0">
                 <a:latin typeface="Arial MT"/>
                 <a:cs typeface="Arial MT"/>
               </a:rPr>
               <a:t>uniformity </a:t>
             </a:r>
             <a:r>
-              <a:rPr dirty="0" sz="2300">
+              <a:rPr sz="2300" dirty="0">
                 <a:latin typeface="Arial MT"/>
                 <a:cs typeface="Arial MT"/>
               </a:rPr>
               <a:t>among </a:t>
             </a:r>
             <a:r>
-              <a:rPr dirty="0" sz="2300" spc="-5">
+              <a:rPr sz="2300" spc="-5" dirty="0">
                 <a:latin typeface="Arial MT"/>
                 <a:cs typeface="Arial MT"/>
               </a:rPr>
               <a:t>the </a:t>
             </a:r>
             <a:r>
-              <a:rPr dirty="0" sz="2300">
+              <a:rPr sz="2300" dirty="0">
                 <a:latin typeface="Arial MT"/>
                 <a:cs typeface="Arial MT"/>
               </a:rPr>
               <a:t>modules. Common modules </a:t>
             </a:r>
             <a:r>
-              <a:rPr dirty="0" sz="2300" spc="-625">
-                <a:latin typeface="Arial MT"/>
-                <a:cs typeface="Arial MT"/>
-              </a:rPr>
-              <a:t> </a:t>
-            </a:r>
-            <a:r>
-              <a:rPr dirty="0" sz="2300">
+              <a:rPr sz="2300" spc="-625" dirty="0">
+                <a:latin typeface="Arial MT"/>
+                <a:cs typeface="Arial MT"/>
+              </a:rPr>
+              <a:t> </a:t>
+            </a:r>
+            <a:r>
+              <a:rPr sz="2300" dirty="0">
                 <a:latin typeface="Arial MT"/>
                 <a:cs typeface="Arial MT"/>
               </a:rPr>
               <a:t>are reused many </a:t>
             </a:r>
             <a:r>
-              <a:rPr dirty="0" sz="2300" spc="-5">
+              <a:rPr sz="2300" spc="-5" dirty="0">
                 <a:latin typeface="Arial MT"/>
                 <a:cs typeface="Arial MT"/>
               </a:rPr>
               <a:t>times, </a:t>
             </a:r>
             <a:r>
-              <a:rPr dirty="0" sz="2300">
+              <a:rPr sz="2300" dirty="0">
                 <a:latin typeface="Arial MT"/>
                 <a:cs typeface="Arial MT"/>
               </a:rPr>
               <a:t>reducing </a:t>
             </a:r>
             <a:r>
-              <a:rPr dirty="0" sz="2300" spc="-5">
+              <a:rPr sz="2300" spc="-5" dirty="0">
                 <a:latin typeface="Arial MT"/>
                 <a:cs typeface="Arial MT"/>
               </a:rPr>
               <a:t>the </a:t>
             </a:r>
             <a:r>
-              <a:rPr dirty="0" sz="2300">
+              <a:rPr sz="2300" dirty="0">
                 <a:latin typeface="Arial MT"/>
                 <a:cs typeface="Arial MT"/>
               </a:rPr>
               <a:t>number of </a:t>
             </a:r>
             <a:r>
-              <a:rPr dirty="0" sz="2300" spc="-5">
+              <a:rPr sz="2300" spc="-5" dirty="0">
                 <a:latin typeface="Arial MT"/>
                 <a:cs typeface="Arial MT"/>
               </a:rPr>
               <a:t>distinct </a:t>
             </a:r>
             <a:r>
-              <a:rPr dirty="0" sz="2300">
+              <a:rPr sz="2300" dirty="0">
                 <a:latin typeface="Arial MT"/>
                 <a:cs typeface="Arial MT"/>
               </a:rPr>
               <a:t>modules </a:t>
             </a:r>
             <a:r>
-              <a:rPr dirty="0" sz="2300" spc="-5">
+              <a:rPr sz="2300" spc="-5" dirty="0">
                 <a:latin typeface="Arial MT"/>
                 <a:cs typeface="Arial MT"/>
               </a:rPr>
               <a:t>that </a:t>
             </a:r>
             <a:r>
-              <a:rPr dirty="0" sz="2300">
+              <a:rPr sz="2300" dirty="0">
                 <a:latin typeface="Arial MT"/>
                 <a:cs typeface="Arial MT"/>
               </a:rPr>
               <a:t> must</a:t>
             </a:r>
             <a:r>
-              <a:rPr dirty="0" sz="2300" spc="-10">
-                <a:latin typeface="Arial MT"/>
-                <a:cs typeface="Arial MT"/>
-              </a:rPr>
-              <a:t> </a:t>
-            </a:r>
-            <a:r>
-              <a:rPr dirty="0" sz="2300">
+              <a:rPr sz="2300" spc="-10" dirty="0">
+                <a:latin typeface="Arial MT"/>
+                <a:cs typeface="Arial MT"/>
+              </a:rPr>
+              <a:t> </a:t>
+            </a:r>
+            <a:r>
+              <a:rPr sz="2300" dirty="0">
                 <a:latin typeface="Arial MT"/>
                 <a:cs typeface="Arial MT"/>
               </a:rPr>
@@ -2847,10 +2969,12 @@
             <a:off x="871219" y="642446"/>
             <a:ext cx="2759075" cy="695960"/>
           </a:xfrm>
-          <a:prstGeom prst="rect"/>
+          <a:prstGeom prst="rect">
+            <a:avLst/>
+          </a:prstGeom>
         </p:spPr>
         <p:txBody>
-          <a:bodyPr wrap="square" lIns="0" tIns="12700" rIns="0" bIns="0" rtlCol="0" vert="horz">
+          <a:bodyPr vert="horz" wrap="square" lIns="0" tIns="12700" rIns="0" bIns="0" rtlCol="0">
             <a:spAutoFit/>
           </a:bodyPr>
           <a:lstStyle/>
@@ -2867,15 +2991,15 @@
               </a:tabLst>
             </a:pPr>
             <a:r>
-              <a:rPr dirty="0" sz="4400"/>
+              <a:rPr sz="4400" dirty="0"/>
               <a:t>Code	S</a:t>
             </a:r>
             <a:r>
-              <a:rPr dirty="0" sz="4400" spc="-5"/>
+              <a:rPr sz="4400" spc="-5" dirty="0"/>
               <a:t>t</a:t>
             </a:r>
             <a:r>
-              <a:rPr dirty="0" sz="4400"/>
+              <a:rPr sz="4400" dirty="0"/>
               <a:t>yle</a:t>
             </a:r>
             <a:endParaRPr sz="4400"/>
@@ -2898,7 +3022,7 @@
           </a:prstGeom>
         </p:spPr>
         <p:txBody>
-          <a:bodyPr wrap="square" lIns="0" tIns="13970" rIns="0" bIns="0" rtlCol="0" vert="horz">
+          <a:bodyPr vert="horz" wrap="square" lIns="0" tIns="13970" rIns="0" bIns="0" rtlCol="0">
             <a:spAutoFit/>
           </a:bodyPr>
           <a:lstStyle/>
@@ -2916,7 +3040,7 @@
               </a:tabLst>
             </a:pPr>
             <a:r>
-              <a:rPr dirty="0" sz="3550" spc="5">
+              <a:rPr sz="3550" spc="5" dirty="0">
                 <a:latin typeface="Arial MT"/>
                 <a:cs typeface="Arial MT"/>
               </a:rPr>
@@ -2928,7 +3052,7 @@
             </a:endParaRPr>
           </a:p>
           <a:p>
-            <a:pPr lvl="1" marL="695960" indent="-226695">
+            <a:pPr marL="695960" lvl="1" indent="-226695">
               <a:lnSpc>
                 <a:spcPts val="4195"/>
               </a:lnSpc>
@@ -2938,35 +3062,35 @@
               </a:tabLst>
             </a:pPr>
             <a:r>
-              <a:rPr dirty="0" sz="3550" spc="5">
+              <a:rPr sz="3550" spc="5" dirty="0">
                 <a:latin typeface="Arial MT"/>
                 <a:cs typeface="Arial MT"/>
               </a:rPr>
               <a:t>snake_style</a:t>
             </a:r>
             <a:r>
-              <a:rPr dirty="0" sz="3550" spc="-25">
-                <a:latin typeface="Arial MT"/>
-                <a:cs typeface="Arial MT"/>
-              </a:rPr>
-              <a:t> </a:t>
-            </a:r>
-            <a:r>
-              <a:rPr dirty="0" sz="3550" spc="5">
+              <a:rPr sz="3550" spc="-25" dirty="0">
+                <a:latin typeface="Arial MT"/>
+                <a:cs typeface="Arial MT"/>
+              </a:rPr>
+              <a:t> </a:t>
+            </a:r>
+            <a:r>
+              <a:rPr sz="3550" spc="5" dirty="0">
                 <a:latin typeface="Arial MT"/>
                 <a:cs typeface="Arial MT"/>
               </a:rPr>
               <a:t>vs</a:t>
             </a:r>
             <a:r>
-              <a:rPr dirty="0" sz="3550" spc="-20">
-                <a:latin typeface="Arial MT"/>
-                <a:cs typeface="Arial MT"/>
-              </a:rPr>
-              <a:t> </a:t>
-            </a:r>
-            <a:r>
-              <a:rPr dirty="0" sz="3550" spc="5">
+              <a:rPr sz="3550" spc="-20" dirty="0">
+                <a:latin typeface="Arial MT"/>
+                <a:cs typeface="Arial MT"/>
+              </a:rPr>
+              <a:t> </a:t>
+            </a:r>
+            <a:r>
+              <a:rPr sz="3550" spc="5" dirty="0">
                 <a:latin typeface="Arial MT"/>
                 <a:cs typeface="Arial MT"/>
               </a:rPr>
@@ -2978,7 +3102,7 @@
             </a:endParaRPr>
           </a:p>
           <a:p>
-            <a:pPr lvl="1" marL="695960" indent="-226695">
+            <a:pPr marL="695960" lvl="1" indent="-226695">
               <a:lnSpc>
                 <a:spcPts val="4195"/>
               </a:lnSpc>
@@ -2988,42 +3112,42 @@
               </a:tabLst>
             </a:pPr>
             <a:r>
-              <a:rPr dirty="0" sz="3550" spc="5">
+              <a:rPr sz="3550" spc="5" dirty="0">
                 <a:latin typeface="Arial MT"/>
                 <a:cs typeface="Arial MT"/>
               </a:rPr>
               <a:t>bool</a:t>
             </a:r>
             <a:r>
-              <a:rPr dirty="0" sz="3550" spc="-5">
-                <a:latin typeface="Arial MT"/>
-                <a:cs typeface="Arial MT"/>
-              </a:rPr>
-              <a:t> </a:t>
-            </a:r>
-            <a:r>
-              <a:rPr dirty="0" sz="3550">
+              <a:rPr sz="3550" spc="-5" dirty="0">
+                <a:latin typeface="Arial MT"/>
+                <a:cs typeface="Arial MT"/>
+              </a:rPr>
+              <a:t> </a:t>
+            </a:r>
+            <a:r>
+              <a:rPr sz="3550" dirty="0">
                 <a:latin typeface="Arial MT"/>
                 <a:cs typeface="Arial MT"/>
               </a:rPr>
               <a:t>isPredicate(...) </a:t>
             </a:r>
             <a:r>
-              <a:rPr dirty="0" sz="3550" spc="5">
+              <a:rPr sz="3550" spc="5" dirty="0">
                 <a:latin typeface="Arial MT"/>
                 <a:cs typeface="Arial MT"/>
               </a:rPr>
               <a:t>–</a:t>
             </a:r>
             <a:r>
-              <a:rPr dirty="0" sz="3550" spc="-5">
-                <a:latin typeface="Arial MT"/>
-                <a:cs typeface="Arial MT"/>
-              </a:rPr>
-              <a:t> </a:t>
-            </a:r>
-            <a:r>
-              <a:rPr dirty="0" sz="3550" spc="5">
+              <a:rPr sz="3550" spc="-5" dirty="0">
+                <a:latin typeface="Arial MT"/>
+                <a:cs typeface="Arial MT"/>
+              </a:rPr>
+              <a:t> </a:t>
+            </a:r>
+            <a:r>
+              <a:rPr sz="3550" spc="5" dirty="0">
                 <a:latin typeface="Arial MT"/>
                 <a:cs typeface="Arial MT"/>
               </a:rPr>
@@ -3035,7 +3159,7 @@
             </a:endParaRPr>
           </a:p>
           <a:p>
-            <a:pPr lvl="1" marL="695960" indent="-226695">
+            <a:pPr marL="695960" lvl="1" indent="-226695">
               <a:lnSpc>
                 <a:spcPts val="4195"/>
               </a:lnSpc>
@@ -3045,77 +3169,77 @@
               </a:tabLst>
             </a:pPr>
             <a:r>
-              <a:rPr dirty="0" sz="3550" spc="5">
+              <a:rPr sz="3550" spc="5" dirty="0">
                 <a:latin typeface="Arial MT"/>
                 <a:cs typeface="Arial MT"/>
               </a:rPr>
               <a:t>void</a:t>
             </a:r>
             <a:r>
-              <a:rPr dirty="0" sz="3550" spc="-15">
-                <a:latin typeface="Arial MT"/>
-                <a:cs typeface="Arial MT"/>
-              </a:rPr>
-              <a:t> </a:t>
-            </a:r>
-            <a:r>
-              <a:rPr dirty="0" sz="3550" spc="5">
+              <a:rPr sz="3550" spc="-15" dirty="0">
+                <a:latin typeface="Arial MT"/>
+                <a:cs typeface="Arial MT"/>
+              </a:rPr>
+              <a:t> </a:t>
+            </a:r>
+            <a:r>
+              <a:rPr sz="3550" spc="5" dirty="0">
                 <a:latin typeface="Arial MT"/>
                 <a:cs typeface="Arial MT"/>
               </a:rPr>
               <a:t>push_back(...)</a:t>
             </a:r>
             <a:r>
-              <a:rPr dirty="0" sz="3550" spc="-10">
-                <a:latin typeface="Arial MT"/>
-                <a:cs typeface="Arial MT"/>
-              </a:rPr>
-              <a:t> </a:t>
-            </a:r>
-            <a:r>
-              <a:rPr dirty="0" sz="3550" spc="5">
+              <a:rPr sz="3550" spc="-10" dirty="0">
+                <a:latin typeface="Arial MT"/>
+                <a:cs typeface="Arial MT"/>
+              </a:rPr>
+              <a:t> </a:t>
+            </a:r>
+            <a:r>
+              <a:rPr sz="3550" spc="5" dirty="0">
                 <a:latin typeface="Arial MT"/>
                 <a:cs typeface="Arial MT"/>
               </a:rPr>
               <a:t>–</a:t>
             </a:r>
             <a:r>
-              <a:rPr dirty="0" sz="3550" spc="-80">
-                <a:latin typeface="Arial MT"/>
-                <a:cs typeface="Arial MT"/>
-              </a:rPr>
-              <a:t> </a:t>
-            </a:r>
-            <a:r>
-              <a:rPr dirty="0" sz="3550" spc="-190">
+              <a:rPr sz="3550" spc="-80" dirty="0">
+                <a:latin typeface="Arial MT"/>
+                <a:cs typeface="Arial MT"/>
+              </a:rPr>
+              <a:t> </a:t>
+            </a:r>
+            <a:r>
+              <a:rPr sz="3550" spc="-190" dirty="0">
                 <a:latin typeface="Arial MT"/>
                 <a:cs typeface="Arial MT"/>
               </a:rPr>
               <a:t>To</a:t>
             </a:r>
             <a:r>
-              <a:rPr dirty="0" sz="3550" spc="-10">
-                <a:latin typeface="Arial MT"/>
-                <a:cs typeface="Arial MT"/>
-              </a:rPr>
-              <a:t> </a:t>
-            </a:r>
-            <a:r>
-              <a:rPr dirty="0" sz="3550" spc="5">
+              <a:rPr sz="3550" spc="-10" dirty="0">
+                <a:latin typeface="Arial MT"/>
+                <a:cs typeface="Arial MT"/>
+              </a:rPr>
+              <a:t> </a:t>
+            </a:r>
+            <a:r>
+              <a:rPr sz="3550" spc="5" dirty="0">
                 <a:latin typeface="Arial MT"/>
                 <a:cs typeface="Arial MT"/>
               </a:rPr>
               <a:t>do</a:t>
             </a:r>
             <a:r>
-              <a:rPr dirty="0" sz="3550" spc="-10">
-                <a:latin typeface="Arial MT"/>
-                <a:cs typeface="Arial MT"/>
-              </a:rPr>
-              <a:t> </a:t>
-            </a:r>
-            <a:r>
-              <a:rPr dirty="0" sz="3550" spc="5">
+              <a:rPr sz="3550" spc="-10" dirty="0">
+                <a:latin typeface="Arial MT"/>
+                <a:cs typeface="Arial MT"/>
+              </a:rPr>
+              <a:t> </a:t>
+            </a:r>
+            <a:r>
+              <a:rPr sz="3550" spc="5" dirty="0">
                 <a:latin typeface="Arial MT"/>
                 <a:cs typeface="Arial MT"/>
               </a:rPr>
@@ -3127,7 +3251,7 @@
             </a:endParaRPr>
           </a:p>
           <a:p>
-            <a:pPr lvl="1" marL="695960" indent="-226695">
+            <a:pPr marL="695960" lvl="1" indent="-226695">
               <a:lnSpc>
                 <a:spcPts val="4195"/>
               </a:lnSpc>
@@ -3137,49 +3261,49 @@
               </a:tabLst>
             </a:pPr>
             <a:r>
-              <a:rPr dirty="0" sz="3550" spc="5">
+              <a:rPr sz="3550" spc="5" dirty="0">
                 <a:latin typeface="Arial MT"/>
                 <a:cs typeface="Arial MT"/>
               </a:rPr>
               <a:t>T</a:t>
             </a:r>
             <a:r>
-              <a:rPr dirty="0" sz="3550" spc="-80">
-                <a:latin typeface="Arial MT"/>
-                <a:cs typeface="Arial MT"/>
-              </a:rPr>
-              <a:t> </a:t>
-            </a:r>
-            <a:r>
-              <a:rPr dirty="0" sz="3550">
+              <a:rPr sz="3550" spc="-80" dirty="0">
+                <a:latin typeface="Arial MT"/>
+                <a:cs typeface="Arial MT"/>
+              </a:rPr>
+              <a:t> </a:t>
+            </a:r>
+            <a:r>
+              <a:rPr sz="3550" dirty="0">
                 <a:latin typeface="Arial MT"/>
                 <a:cs typeface="Arial MT"/>
               </a:rPr>
               <a:t>size(...)</a:t>
             </a:r>
             <a:r>
-              <a:rPr dirty="0" sz="3550" spc="-15">
-                <a:latin typeface="Arial MT"/>
-                <a:cs typeface="Arial MT"/>
-              </a:rPr>
-              <a:t> </a:t>
-            </a:r>
-            <a:r>
-              <a:rPr dirty="0" sz="3550">
+              <a:rPr sz="3550" spc="-15" dirty="0">
+                <a:latin typeface="Arial MT"/>
+                <a:cs typeface="Arial MT"/>
+              </a:rPr>
+              <a:t> </a:t>
+            </a:r>
+            <a:r>
+              <a:rPr sz="3550" dirty="0">
                 <a:latin typeface="Arial MT"/>
                 <a:cs typeface="Arial MT"/>
               </a:rPr>
               <a:t>-</a:t>
             </a:r>
             <a:r>
-              <a:rPr dirty="0" sz="3550" spc="-10">
-                <a:latin typeface="Arial MT"/>
-                <a:cs typeface="Arial MT"/>
-              </a:rPr>
-              <a:t> </a:t>
-            </a:r>
-            <a:r>
-              <a:rPr dirty="0" sz="3550" spc="5">
+              <a:rPr sz="3550" spc="-10" dirty="0">
+                <a:latin typeface="Arial MT"/>
+                <a:cs typeface="Arial MT"/>
+              </a:rPr>
+              <a:t> </a:t>
+            </a:r>
+            <a:r>
+              <a:rPr sz="3550" spc="5" dirty="0">
                 <a:latin typeface="Arial MT"/>
                 <a:cs typeface="Arial MT"/>
               </a:rPr>
@@ -3191,7 +3315,7 @@
             </a:endParaRPr>
           </a:p>
           <a:p>
-            <a:pPr lvl="1" marL="695960" indent="-226695">
+            <a:pPr marL="695960" lvl="1" indent="-226695">
               <a:lnSpc>
                 <a:spcPts val="4195"/>
               </a:lnSpc>
@@ -3201,77 +3325,77 @@
               </a:tabLst>
             </a:pPr>
             <a:r>
-              <a:rPr dirty="0" sz="3550" spc="5">
+              <a:rPr sz="3550" spc="5" dirty="0">
                 <a:latin typeface="Arial MT"/>
                 <a:cs typeface="Arial MT"/>
               </a:rPr>
               <a:t>T</a:t>
             </a:r>
             <a:r>
-              <a:rPr dirty="0" sz="3550" spc="-80">
-                <a:latin typeface="Arial MT"/>
-                <a:cs typeface="Arial MT"/>
-              </a:rPr>
-              <a:t> </a:t>
-            </a:r>
-            <a:r>
-              <a:rPr dirty="0" sz="3550" spc="5">
+              <a:rPr sz="3550" spc="-80" dirty="0">
+                <a:latin typeface="Arial MT"/>
+                <a:cs typeface="Arial MT"/>
+              </a:rPr>
+              <a:t> </a:t>
+            </a:r>
+            <a:r>
+              <a:rPr sz="3550" spc="5" dirty="0">
                 <a:latin typeface="Arial MT"/>
                 <a:cs typeface="Arial MT"/>
               </a:rPr>
               <a:t>getLen()</a:t>
             </a:r>
             <a:r>
-              <a:rPr dirty="0" sz="3550" spc="-10">
-                <a:latin typeface="Arial MT"/>
-                <a:cs typeface="Arial MT"/>
-              </a:rPr>
-              <a:t> </a:t>
-            </a:r>
-            <a:r>
-              <a:rPr dirty="0" sz="3550">
+              <a:rPr sz="3550" spc="-10" dirty="0">
+                <a:latin typeface="Arial MT"/>
+                <a:cs typeface="Arial MT"/>
+              </a:rPr>
+              <a:t> </a:t>
+            </a:r>
+            <a:r>
+              <a:rPr sz="3550" dirty="0">
                 <a:latin typeface="Arial MT"/>
                 <a:cs typeface="Arial MT"/>
               </a:rPr>
               <a:t>/</a:t>
             </a:r>
             <a:r>
-              <a:rPr dirty="0" sz="3550" spc="-10">
-                <a:latin typeface="Arial MT"/>
-                <a:cs typeface="Arial MT"/>
-              </a:rPr>
-              <a:t> </a:t>
-            </a:r>
-            <a:r>
-              <a:rPr dirty="0" sz="3550" spc="5">
+              <a:rPr sz="3550" spc="-10" dirty="0">
+                <a:latin typeface="Arial MT"/>
+                <a:cs typeface="Arial MT"/>
+              </a:rPr>
+              <a:t> </a:t>
+            </a:r>
+            <a:r>
+              <a:rPr sz="3550" spc="5" dirty="0">
                 <a:latin typeface="Arial MT"/>
                 <a:cs typeface="Arial MT"/>
               </a:rPr>
               <a:t>void</a:t>
             </a:r>
             <a:r>
-              <a:rPr dirty="0" sz="3550" spc="-15">
-                <a:latin typeface="Arial MT"/>
-                <a:cs typeface="Arial MT"/>
-              </a:rPr>
-              <a:t> </a:t>
-            </a:r>
-            <a:r>
-              <a:rPr dirty="0" sz="3550" spc="5">
+              <a:rPr sz="3550" spc="-15" dirty="0">
+                <a:latin typeface="Arial MT"/>
+                <a:cs typeface="Arial MT"/>
+              </a:rPr>
+              <a:t> </a:t>
+            </a:r>
+            <a:r>
+              <a:rPr sz="3550" spc="5" dirty="0">
                 <a:latin typeface="Arial MT"/>
                 <a:cs typeface="Arial MT"/>
               </a:rPr>
               <a:t>setLen(T</a:t>
             </a:r>
             <a:r>
-              <a:rPr dirty="0" sz="3550" spc="-75">
-                <a:latin typeface="Arial MT"/>
-                <a:cs typeface="Arial MT"/>
-              </a:rPr>
-              <a:t> </a:t>
-            </a:r>
-            <a:r>
-              <a:rPr dirty="0" sz="3550" spc="5">
+              <a:rPr sz="3550" spc="-75" dirty="0">
+                <a:latin typeface="Arial MT"/>
+                <a:cs typeface="Arial MT"/>
+              </a:rPr>
+              <a:t> </a:t>
+            </a:r>
+            <a:r>
+              <a:rPr sz="3550" spc="5" dirty="0">
                 <a:latin typeface="Arial MT"/>
                 <a:cs typeface="Arial MT"/>
               </a:rPr>
@@ -3283,7 +3407,7 @@
             </a:endParaRPr>
           </a:p>
           <a:p>
-            <a:pPr lvl="1" marL="695960" indent="-226695">
+            <a:pPr marL="695960" lvl="1" indent="-226695">
               <a:lnSpc>
                 <a:spcPts val="4195"/>
               </a:lnSpc>
@@ -3293,84 +3417,84 @@
               </a:tabLst>
             </a:pPr>
             <a:r>
-              <a:rPr dirty="0" sz="3550" spc="5">
+              <a:rPr sz="3550" spc="5" dirty="0">
                 <a:latin typeface="Arial MT"/>
                 <a:cs typeface="Arial MT"/>
               </a:rPr>
               <a:t>One</a:t>
             </a:r>
             <a:r>
-              <a:rPr dirty="0" sz="3550" spc="-5">
-                <a:latin typeface="Arial MT"/>
-                <a:cs typeface="Arial MT"/>
-              </a:rPr>
-              <a:t> </a:t>
-            </a:r>
-            <a:r>
-              <a:rPr dirty="0" sz="3550">
+              <a:rPr sz="3550" spc="-5" dirty="0">
+                <a:latin typeface="Arial MT"/>
+                <a:cs typeface="Arial MT"/>
+              </a:rPr>
+              <a:t> </a:t>
+            </a:r>
+            <a:r>
+              <a:rPr sz="3550" dirty="0">
                 <a:latin typeface="Arial MT"/>
                 <a:cs typeface="Arial MT"/>
               </a:rPr>
               <a:t>letter </a:t>
             </a:r>
             <a:r>
-              <a:rPr dirty="0" sz="3550" spc="5">
+              <a:rPr sz="3550" spc="5" dirty="0">
                 <a:latin typeface="Arial MT"/>
                 <a:cs typeface="Arial MT"/>
               </a:rPr>
               <a:t>variable,</a:t>
             </a:r>
             <a:r>
-              <a:rPr dirty="0" sz="3550">
+              <a:rPr sz="3550" dirty="0">
                 <a:latin typeface="Arial MT"/>
                 <a:cs typeface="Arial MT"/>
               </a:rPr>
               <a:t> translit </a:t>
             </a:r>
             <a:r>
-              <a:rPr dirty="0" sz="3550" spc="5">
+              <a:rPr sz="3550" spc="5" dirty="0">
                 <a:latin typeface="Arial MT"/>
                 <a:cs typeface="Arial MT"/>
               </a:rPr>
               <a:t>variable</a:t>
             </a:r>
             <a:r>
-              <a:rPr dirty="0" sz="3550">
-                <a:latin typeface="Arial MT"/>
-                <a:cs typeface="Arial MT"/>
-              </a:rPr>
-              <a:t> </a:t>
-            </a:r>
-            <a:r>
-              <a:rPr dirty="0" sz="3550" spc="5">
+              <a:rPr sz="3550" dirty="0">
+                <a:latin typeface="Arial MT"/>
+                <a:cs typeface="Arial MT"/>
+              </a:rPr>
+              <a:t> </a:t>
+            </a:r>
+            <a:r>
+              <a:rPr sz="3550" spc="5" dirty="0">
                 <a:latin typeface="Arial MT"/>
                 <a:cs typeface="Arial MT"/>
               </a:rPr>
               <a:t>–</a:t>
             </a:r>
             <a:r>
-              <a:rPr dirty="0" sz="3550" spc="-5">
-                <a:latin typeface="Arial MT"/>
-                <a:cs typeface="Arial MT"/>
-              </a:rPr>
-              <a:t> </a:t>
-            </a:r>
-            <a:r>
-              <a:rPr dirty="0" sz="3550" spc="5">
+              <a:rPr sz="3550" spc="-5" dirty="0">
+                <a:latin typeface="Arial MT"/>
+                <a:cs typeface="Arial MT"/>
+              </a:rPr>
+              <a:t> </a:t>
+            </a:r>
+            <a:r>
+              <a:rPr sz="3550" spc="5" dirty="0">
                 <a:latin typeface="Arial MT"/>
                 <a:cs typeface="Arial MT"/>
               </a:rPr>
               <a:t>very</a:t>
             </a:r>
             <a:r>
-              <a:rPr dirty="0" sz="3550">
-                <a:latin typeface="Arial MT"/>
-                <a:cs typeface="Arial MT"/>
-              </a:rPr>
-              <a:t> </a:t>
-            </a:r>
-            <a:r>
-              <a:rPr dirty="0" sz="3550" spc="5">
+              <a:rPr sz="3550" dirty="0">
+                <a:latin typeface="Arial MT"/>
+                <a:cs typeface="Arial MT"/>
+              </a:rPr>
+              <a:t> </a:t>
+            </a:r>
+            <a:r>
+              <a:rPr sz="3550" spc="5" dirty="0">
                 <a:latin typeface="Arial MT"/>
                 <a:cs typeface="Arial MT"/>
               </a:rPr>
@@ -3382,7 +3506,7 @@
             </a:endParaRPr>
           </a:p>
           <a:p>
-            <a:pPr lvl="1" marL="695960" indent="-226695">
+            <a:pPr marL="695960" lvl="1" indent="-226695">
               <a:lnSpc>
                 <a:spcPts val="4230"/>
               </a:lnSpc>
@@ -3392,49 +3516,49 @@
               </a:tabLst>
             </a:pPr>
             <a:r>
-              <a:rPr dirty="0" sz="3550" spc="5">
+              <a:rPr sz="3550" spc="5" dirty="0">
                 <a:latin typeface="Arial MT"/>
                 <a:cs typeface="Arial MT"/>
               </a:rPr>
               <a:t>xx,</a:t>
             </a:r>
             <a:r>
-              <a:rPr dirty="0" sz="3550" spc="-20">
-                <a:latin typeface="Arial MT"/>
-                <a:cs typeface="Arial MT"/>
-              </a:rPr>
-              <a:t> </a:t>
-            </a:r>
-            <a:r>
-              <a:rPr dirty="0" sz="3550" spc="-60">
+              <a:rPr sz="3550" spc="-20" dirty="0">
+                <a:latin typeface="Arial MT"/>
+                <a:cs typeface="Arial MT"/>
+              </a:rPr>
+              <a:t> </a:t>
+            </a:r>
+            <a:r>
+              <a:rPr sz="3550" spc="-60" dirty="0">
                 <a:latin typeface="Arial MT"/>
                 <a:cs typeface="Arial MT"/>
               </a:rPr>
               <a:t>yy,…</a:t>
             </a:r>
             <a:r>
-              <a:rPr dirty="0" sz="3550" spc="-25">
-                <a:latin typeface="Arial MT"/>
-                <a:cs typeface="Arial MT"/>
-              </a:rPr>
-              <a:t> </a:t>
-            </a:r>
-            <a:r>
-              <a:rPr dirty="0" sz="3550">
+              <a:rPr sz="3550" spc="-25" dirty="0">
+                <a:latin typeface="Arial MT"/>
+                <a:cs typeface="Arial MT"/>
+              </a:rPr>
+              <a:t> </a:t>
+            </a:r>
+            <a:r>
+              <a:rPr sz="3550" dirty="0">
                 <a:latin typeface="Arial MT"/>
                 <a:cs typeface="Arial MT"/>
               </a:rPr>
               <a:t>//</a:t>
             </a:r>
             <a:r>
-              <a:rPr dirty="0" sz="3550" spc="-20">
-                <a:latin typeface="Arial MT"/>
-                <a:cs typeface="Arial MT"/>
-              </a:rPr>
-              <a:t> </a:t>
-            </a:r>
-            <a:r>
-              <a:rPr dirty="0" sz="3550" spc="5">
+              <a:rPr sz="3550" spc="-20" dirty="0">
+                <a:latin typeface="Arial MT"/>
+                <a:cs typeface="Arial MT"/>
+              </a:rPr>
+              <a:t> </a:t>
+            </a:r>
+            <a:r>
+              <a:rPr sz="3550" spc="5" dirty="0">
                 <a:latin typeface="Arial MT"/>
                 <a:cs typeface="Arial MT"/>
               </a:rPr>
@@ -3487,10 +3611,12 @@
             <a:off x="871219" y="642446"/>
             <a:ext cx="4187825" cy="695960"/>
           </a:xfrm>
-          <a:prstGeom prst="rect"/>
+          <a:prstGeom prst="rect">
+            <a:avLst/>
+          </a:prstGeom>
         </p:spPr>
         <p:txBody>
-          <a:bodyPr wrap="square" lIns="0" tIns="12700" rIns="0" bIns="0" rtlCol="0" vert="horz">
+          <a:bodyPr vert="horz" wrap="square" lIns="0" tIns="12700" rIns="0" bIns="0" rtlCol="0">
             <a:spAutoFit/>
           </a:bodyPr>
           <a:lstStyle/>
@@ -3507,15 +3633,15 @@
               </a:tabLst>
             </a:pPr>
             <a:r>
-              <a:rPr dirty="0" sz="4400"/>
+              <a:rPr sz="4400" dirty="0"/>
               <a:t>More Code	S</a:t>
             </a:r>
             <a:r>
-              <a:rPr dirty="0" sz="4400" spc="-5"/>
+              <a:rPr sz="4400" spc="-5" dirty="0"/>
               <a:t>t</a:t>
             </a:r>
             <a:r>
-              <a:rPr dirty="0" sz="4400"/>
+              <a:rPr sz="4400" dirty="0"/>
               <a:t>yle</a:t>
             </a:r>
             <a:endParaRPr sz="4400"/>
@@ -3538,7 +3664,7 @@
           </a:prstGeom>
         </p:spPr>
         <p:txBody>
-          <a:bodyPr wrap="square" lIns="0" tIns="80010" rIns="0" bIns="0" rtlCol="0" vert="horz">
+          <a:bodyPr vert="horz" wrap="square" lIns="0" tIns="80010" rIns="0" bIns="0" rtlCol="0">
             <a:spAutoFit/>
           </a:bodyPr>
           <a:lstStyle/>
@@ -3556,77 +3682,77 @@
               </a:tabLst>
             </a:pPr>
             <a:r>
-              <a:rPr dirty="0" sz="2800" spc="-30">
+              <a:rPr sz="2800" spc="-30" dirty="0">
                 <a:latin typeface="Arial MT"/>
                 <a:cs typeface="Arial MT"/>
               </a:rPr>
               <a:t>Variable</a:t>
             </a:r>
             <a:r>
-              <a:rPr dirty="0" sz="2800" spc="-5">
+              <a:rPr sz="2800" spc="-5" dirty="0">
                 <a:latin typeface="Arial MT"/>
                 <a:cs typeface="Arial MT"/>
               </a:rPr>
               <a:t> declaration</a:t>
             </a:r>
             <a:r>
-              <a:rPr dirty="0" sz="2800">
+              <a:rPr sz="2800" dirty="0">
                 <a:latin typeface="Arial MT"/>
                 <a:cs typeface="Arial MT"/>
               </a:rPr>
               <a:t> – as</a:t>
             </a:r>
             <a:r>
-              <a:rPr dirty="0" sz="2800" spc="-10">
-                <a:latin typeface="Arial MT"/>
-                <a:cs typeface="Arial MT"/>
-              </a:rPr>
-              <a:t> </a:t>
-            </a:r>
-            <a:r>
-              <a:rPr dirty="0" sz="2800">
+              <a:rPr sz="2800" spc="-10" dirty="0">
+                <a:latin typeface="Arial MT"/>
+                <a:cs typeface="Arial MT"/>
+              </a:rPr>
+              <a:t> </a:t>
+            </a:r>
+            <a:r>
+              <a:rPr sz="2800" dirty="0">
                 <a:latin typeface="Arial MT"/>
                 <a:cs typeface="Arial MT"/>
               </a:rPr>
               <a:t>close as</a:t>
             </a:r>
             <a:r>
-              <a:rPr dirty="0" sz="2800" spc="-5">
-                <a:latin typeface="Arial MT"/>
-                <a:cs typeface="Arial MT"/>
-              </a:rPr>
-              <a:t> </a:t>
-            </a:r>
-            <a:r>
-              <a:rPr dirty="0" sz="2800">
+              <a:rPr sz="2800" spc="-5" dirty="0">
+                <a:latin typeface="Arial MT"/>
+                <a:cs typeface="Arial MT"/>
+              </a:rPr>
+              <a:t> </a:t>
+            </a:r>
+            <a:r>
+              <a:rPr sz="2800" dirty="0">
                 <a:latin typeface="Arial MT"/>
                 <a:cs typeface="Arial MT"/>
               </a:rPr>
               <a:t>possible </a:t>
             </a:r>
             <a:r>
-              <a:rPr dirty="0" sz="2800" spc="-5">
+              <a:rPr sz="2800" spc="-5" dirty="0">
                 <a:latin typeface="Arial MT"/>
                 <a:cs typeface="Arial MT"/>
               </a:rPr>
               <a:t>to </a:t>
             </a:r>
             <a:r>
-              <a:rPr dirty="0" sz="2800">
+              <a:rPr sz="2800" dirty="0">
                 <a:latin typeface="Arial MT"/>
                 <a:cs typeface="Arial MT"/>
               </a:rPr>
               <a:t>a place of</a:t>
             </a:r>
             <a:r>
-              <a:rPr dirty="0" sz="2800" spc="-5">
-                <a:latin typeface="Arial MT"/>
-                <a:cs typeface="Arial MT"/>
-              </a:rPr>
-              <a:t> </a:t>
-            </a:r>
-            <a:r>
-              <a:rPr dirty="0" sz="2800">
+              <a:rPr sz="2800" spc="-5" dirty="0">
+                <a:latin typeface="Arial MT"/>
+                <a:cs typeface="Arial MT"/>
+              </a:rPr>
+              <a:t> </a:t>
+            </a:r>
+            <a:r>
+              <a:rPr sz="2800" dirty="0">
                 <a:latin typeface="Arial MT"/>
                 <a:cs typeface="Arial MT"/>
               </a:rPr>
@@ -3652,112 +3778,112 @@
               </a:tabLst>
             </a:pPr>
             <a:r>
-              <a:rPr dirty="0" sz="2800" b="1">
+              <a:rPr sz="2800" b="1" dirty="0">
                 <a:latin typeface="Arial"/>
                 <a:cs typeface="Arial"/>
               </a:rPr>
               <a:t>using</a:t>
             </a:r>
             <a:r>
-              <a:rPr dirty="0" sz="2800" spc="-10" b="1">
+              <a:rPr sz="2800" b="1" spc="-10" dirty="0">
                 <a:latin typeface="Arial"/>
                 <a:cs typeface="Arial"/>
               </a:rPr>
               <a:t> </a:t>
             </a:r>
             <a:r>
-              <a:rPr dirty="0" sz="2800" spc="-5" b="1">
+              <a:rPr sz="2800" b="1" spc="-5" dirty="0">
                 <a:latin typeface="Arial"/>
                 <a:cs typeface="Arial"/>
               </a:rPr>
               <a:t>namespace</a:t>
             </a:r>
             <a:r>
-              <a:rPr dirty="0" sz="2800" spc="-15" b="1">
+              <a:rPr sz="2800" b="1" spc="-15" dirty="0">
                 <a:latin typeface="Arial"/>
                 <a:cs typeface="Arial"/>
               </a:rPr>
               <a:t> </a:t>
             </a:r>
             <a:r>
-              <a:rPr dirty="0" sz="2800">
+              <a:rPr sz="2800" dirty="0">
                 <a:latin typeface="Arial MT"/>
                 <a:cs typeface="Arial MT"/>
               </a:rPr>
               <a:t>-</a:t>
             </a:r>
             <a:r>
-              <a:rPr dirty="0" sz="2800" spc="-15">
-                <a:latin typeface="Arial MT"/>
-                <a:cs typeface="Arial MT"/>
-              </a:rPr>
-              <a:t> </a:t>
-            </a:r>
-            <a:r>
-              <a:rPr dirty="0" sz="2800">
+              <a:rPr sz="2800" spc="-15" dirty="0">
+                <a:latin typeface="Arial MT"/>
+                <a:cs typeface="Arial MT"/>
+              </a:rPr>
+              <a:t> </a:t>
+            </a:r>
+            <a:r>
+              <a:rPr sz="2800" dirty="0">
                 <a:latin typeface="Arial MT"/>
                 <a:cs typeface="Arial MT"/>
               </a:rPr>
               <a:t>don’t</a:t>
             </a:r>
             <a:r>
-              <a:rPr dirty="0" sz="2800" spc="-10">
-                <a:latin typeface="Arial MT"/>
-                <a:cs typeface="Arial MT"/>
-              </a:rPr>
-              <a:t> </a:t>
-            </a:r>
-            <a:r>
-              <a:rPr dirty="0" sz="2800">
+              <a:rPr sz="2800" spc="-10" dirty="0">
+                <a:latin typeface="Arial MT"/>
+                <a:cs typeface="Arial MT"/>
+              </a:rPr>
+              <a:t> </a:t>
+            </a:r>
+            <a:r>
+              <a:rPr sz="2800" dirty="0">
                 <a:latin typeface="Arial MT"/>
                 <a:cs typeface="Arial MT"/>
               </a:rPr>
               <a:t>use!</a:t>
             </a:r>
             <a:r>
-              <a:rPr dirty="0" sz="2800" spc="-15">
-                <a:latin typeface="Arial MT"/>
-                <a:cs typeface="Arial MT"/>
-              </a:rPr>
-              <a:t> </a:t>
-            </a:r>
-            <a:r>
-              <a:rPr dirty="0" sz="2800">
+              <a:rPr sz="2800" spc="-15" dirty="0">
+                <a:latin typeface="Arial MT"/>
+                <a:cs typeface="Arial MT"/>
+              </a:rPr>
+              <a:t> </a:t>
+            </a:r>
+            <a:r>
+              <a:rPr sz="2800" dirty="0">
                 <a:latin typeface="Arial MT"/>
                 <a:cs typeface="Arial MT"/>
               </a:rPr>
               <a:t>(even</a:t>
             </a:r>
             <a:r>
-              <a:rPr dirty="0" sz="2800" spc="-10">
-                <a:latin typeface="Arial MT"/>
-                <a:cs typeface="Arial MT"/>
-              </a:rPr>
-              <a:t> </a:t>
-            </a:r>
-            <a:r>
-              <a:rPr dirty="0" sz="2800">
+              <a:rPr sz="2800" spc="-10" dirty="0">
+                <a:latin typeface="Arial MT"/>
+                <a:cs typeface="Arial MT"/>
+              </a:rPr>
+              <a:t> </a:t>
+            </a:r>
+            <a:r>
+              <a:rPr sz="2800" dirty="0">
                 <a:latin typeface="Arial MT"/>
                 <a:cs typeface="Arial MT"/>
               </a:rPr>
               <a:t>using</a:t>
             </a:r>
             <a:r>
-              <a:rPr dirty="0" sz="2800" spc="-10">
-                <a:latin typeface="Arial MT"/>
-                <a:cs typeface="Arial MT"/>
-              </a:rPr>
-              <a:t> </a:t>
-            </a:r>
-            <a:r>
-              <a:rPr dirty="0" sz="2800">
+              <a:rPr sz="2800" spc="-10" dirty="0">
+                <a:latin typeface="Arial MT"/>
+                <a:cs typeface="Arial MT"/>
+              </a:rPr>
+              <a:t> </a:t>
+            </a:r>
+            <a:r>
+              <a:rPr sz="2800" dirty="0">
                 <a:latin typeface="Arial MT"/>
                 <a:cs typeface="Arial MT"/>
               </a:rPr>
               <a:t>namespace</a:t>
             </a:r>
             <a:r>
-              <a:rPr dirty="0" sz="2800" spc="-5">
+              <a:rPr sz="2800" spc="-5" dirty="0">
                 <a:latin typeface="Arial MT"/>
                 <a:cs typeface="Arial MT"/>
               </a:rPr>
@@ -3782,49 +3908,49 @@
               </a:tabLst>
             </a:pPr>
             <a:r>
-              <a:rPr dirty="0" sz="2800" spc="-80">
+              <a:rPr sz="2800" spc="-80" dirty="0">
                 <a:latin typeface="Arial MT"/>
                 <a:cs typeface="Arial MT"/>
               </a:rPr>
               <a:t>Tabs</a:t>
             </a:r>
             <a:r>
-              <a:rPr dirty="0" sz="2800" spc="-30">
-                <a:latin typeface="Arial MT"/>
-                <a:cs typeface="Arial MT"/>
-              </a:rPr>
-              <a:t> </a:t>
-            </a:r>
-            <a:r>
-              <a:rPr dirty="0" sz="2800">
+              <a:rPr sz="2800" spc="-30" dirty="0">
+                <a:latin typeface="Arial MT"/>
+                <a:cs typeface="Arial MT"/>
+              </a:rPr>
+              <a:t> </a:t>
+            </a:r>
+            <a:r>
+              <a:rPr sz="2800" dirty="0">
                 <a:latin typeface="Arial MT"/>
                 <a:cs typeface="Arial MT"/>
               </a:rPr>
               <a:t>-&gt;</a:t>
             </a:r>
             <a:r>
-              <a:rPr dirty="0" sz="2800" spc="-30">
-                <a:latin typeface="Arial MT"/>
-                <a:cs typeface="Arial MT"/>
-              </a:rPr>
-              <a:t> </a:t>
-            </a:r>
-            <a:r>
-              <a:rPr dirty="0" sz="2800">
+              <a:rPr sz="2800" spc="-30" dirty="0">
+                <a:latin typeface="Arial MT"/>
+                <a:cs typeface="Arial MT"/>
+              </a:rPr>
+              <a:t> </a:t>
+            </a:r>
+            <a:r>
+              <a:rPr sz="2800" dirty="0">
                 <a:latin typeface="Arial MT"/>
                 <a:cs typeface="Arial MT"/>
               </a:rPr>
               <a:t>4</a:t>
             </a:r>
             <a:r>
-              <a:rPr dirty="0" sz="2800" spc="-20">
-                <a:latin typeface="Arial MT"/>
-                <a:cs typeface="Arial MT"/>
-              </a:rPr>
-              <a:t> </a:t>
-            </a:r>
-            <a:r>
-              <a:rPr dirty="0" sz="2800">
+              <a:rPr sz="2800" spc="-20" dirty="0">
+                <a:latin typeface="Arial MT"/>
+                <a:cs typeface="Arial MT"/>
+              </a:rPr>
+              <a:t> </a:t>
+            </a:r>
+            <a:r>
+              <a:rPr sz="2800" dirty="0">
                 <a:latin typeface="Arial MT"/>
                 <a:cs typeface="Arial MT"/>
               </a:rPr>
@@ -3849,91 +3975,91 @@
               </a:tabLst>
             </a:pPr>
             <a:r>
-              <a:rPr dirty="0" sz="2800" spc="-105">
+              <a:rPr sz="2800" spc="-105" dirty="0">
                 <a:latin typeface="Arial MT"/>
                 <a:cs typeface="Arial MT"/>
               </a:rPr>
               <a:t>Too</a:t>
             </a:r>
             <a:r>
-              <a:rPr dirty="0" sz="2800" spc="-10">
-                <a:latin typeface="Arial MT"/>
-                <a:cs typeface="Arial MT"/>
-              </a:rPr>
-              <a:t> </a:t>
-            </a:r>
-            <a:r>
-              <a:rPr dirty="0" sz="2800">
+              <a:rPr sz="2800" spc="-10" dirty="0">
+                <a:latin typeface="Arial MT"/>
+                <a:cs typeface="Arial MT"/>
+              </a:rPr>
+              <a:t> </a:t>
+            </a:r>
+            <a:r>
+              <a:rPr sz="2800" dirty="0">
                 <a:latin typeface="Arial MT"/>
                 <a:cs typeface="Arial MT"/>
               </a:rPr>
               <a:t>long</a:t>
             </a:r>
             <a:r>
-              <a:rPr dirty="0" sz="2800" spc="-5">
-                <a:latin typeface="Arial MT"/>
-                <a:cs typeface="Arial MT"/>
-              </a:rPr>
-              <a:t> </a:t>
-            </a:r>
-            <a:r>
-              <a:rPr dirty="0" sz="2800">
+              <a:rPr sz="2800" spc="-5" dirty="0">
+                <a:latin typeface="Arial MT"/>
+                <a:cs typeface="Arial MT"/>
+              </a:rPr>
+              <a:t> </a:t>
+            </a:r>
+            <a:r>
+              <a:rPr sz="2800" dirty="0">
                 <a:latin typeface="Arial MT"/>
                 <a:cs typeface="Arial MT"/>
               </a:rPr>
               <a:t>lines</a:t>
             </a:r>
             <a:r>
-              <a:rPr dirty="0" sz="2800" spc="-15">
-                <a:latin typeface="Arial MT"/>
-                <a:cs typeface="Arial MT"/>
-              </a:rPr>
-              <a:t> </a:t>
-            </a:r>
-            <a:r>
-              <a:rPr dirty="0" sz="2800">
+              <a:rPr sz="2800" spc="-15" dirty="0">
+                <a:latin typeface="Arial MT"/>
+                <a:cs typeface="Arial MT"/>
+              </a:rPr>
+              <a:t> </a:t>
+            </a:r>
+            <a:r>
+              <a:rPr sz="2800" dirty="0">
                 <a:latin typeface="Arial MT"/>
                 <a:cs typeface="Arial MT"/>
               </a:rPr>
               <a:t>(100</a:t>
             </a:r>
             <a:r>
-              <a:rPr dirty="0" sz="2800" spc="-5">
-                <a:latin typeface="Arial MT"/>
-                <a:cs typeface="Arial MT"/>
-              </a:rPr>
-              <a:t> </a:t>
-            </a:r>
-            <a:r>
-              <a:rPr dirty="0" sz="2800">
+              <a:rPr sz="2800" spc="-5" dirty="0">
+                <a:latin typeface="Arial MT"/>
+                <a:cs typeface="Arial MT"/>
+              </a:rPr>
+              <a:t> </a:t>
+            </a:r>
+            <a:r>
+              <a:rPr sz="2800" dirty="0">
                 <a:latin typeface="Arial MT"/>
                 <a:cs typeface="Arial MT"/>
               </a:rPr>
               <a:t>and</a:t>
             </a:r>
             <a:r>
-              <a:rPr dirty="0" sz="2800" spc="-5">
-                <a:latin typeface="Arial MT"/>
-                <a:cs typeface="Arial MT"/>
-              </a:rPr>
-              <a:t> </a:t>
-            </a:r>
-            <a:r>
-              <a:rPr dirty="0" sz="2800">
+              <a:rPr sz="2800" spc="-5" dirty="0">
+                <a:latin typeface="Arial MT"/>
+                <a:cs typeface="Arial MT"/>
+              </a:rPr>
+              <a:t> </a:t>
+            </a:r>
+            <a:r>
+              <a:rPr sz="2800" dirty="0">
                 <a:latin typeface="Arial MT"/>
                 <a:cs typeface="Arial MT"/>
               </a:rPr>
               <a:t>more</a:t>
             </a:r>
             <a:r>
-              <a:rPr dirty="0" sz="2800" spc="-10">
-                <a:latin typeface="Arial MT"/>
-                <a:cs typeface="Arial MT"/>
-              </a:rPr>
-              <a:t> </a:t>
-            </a:r>
-            <a:r>
-              <a:rPr dirty="0" sz="2800" spc="-5">
+              <a:rPr sz="2800" spc="-10" dirty="0">
+                <a:latin typeface="Arial MT"/>
+                <a:cs typeface="Arial MT"/>
+              </a:rPr>
+              <a:t> </a:t>
+            </a:r>
+            <a:r>
+              <a:rPr sz="2800" spc="-5" dirty="0">
                 <a:latin typeface="Arial MT"/>
                 <a:cs typeface="Arial MT"/>
               </a:rPr>
@@ -3959,35 +4085,35 @@
               </a:tabLst>
             </a:pPr>
             <a:r>
-              <a:rPr dirty="0" sz="2800" b="1">
+              <a:rPr sz="2800" b="1" dirty="0">
                 <a:latin typeface="Arial"/>
                 <a:cs typeface="Arial"/>
               </a:rPr>
               <a:t>Do</a:t>
             </a:r>
             <a:r>
-              <a:rPr dirty="0" sz="2800" spc="-25" b="1">
+              <a:rPr sz="2800" b="1" spc="-25" dirty="0">
                 <a:latin typeface="Arial"/>
                 <a:cs typeface="Arial"/>
               </a:rPr>
               <a:t> </a:t>
             </a:r>
             <a:r>
-              <a:rPr dirty="0" sz="2800" spc="-5" b="1">
+              <a:rPr sz="2800" b="1" spc="-5" dirty="0">
                 <a:latin typeface="Arial"/>
                 <a:cs typeface="Arial"/>
               </a:rPr>
               <a:t>not</a:t>
             </a:r>
             <a:r>
-              <a:rPr dirty="0" sz="2800" spc="-20" b="1">
+              <a:rPr sz="2800" b="1" spc="-20" dirty="0">
                 <a:latin typeface="Arial"/>
                 <a:cs typeface="Arial"/>
               </a:rPr>
               <a:t> </a:t>
             </a:r>
             <a:r>
-              <a:rPr dirty="0" sz="2800" spc="-5" b="1">
+              <a:rPr sz="2800" b="1" spc="-5" dirty="0">
                 <a:latin typeface="Arial"/>
                 <a:cs typeface="Arial"/>
               </a:rPr>
@@ -4012,63 +4138,63 @@
               </a:tabLst>
             </a:pPr>
             <a:r>
-              <a:rPr dirty="0" sz="2800">
+              <a:rPr sz="2800" dirty="0">
                 <a:latin typeface="Arial MT"/>
                 <a:cs typeface="Arial MT"/>
               </a:rPr>
               <a:t>Manage</a:t>
             </a:r>
             <a:r>
-              <a:rPr dirty="0" sz="2800" spc="-10">
-                <a:latin typeface="Arial MT"/>
-                <a:cs typeface="Arial MT"/>
-              </a:rPr>
-              <a:t> </a:t>
-            </a:r>
-            <a:r>
-              <a:rPr dirty="0" sz="2800" spc="-5">
+              <a:rPr sz="2800" spc="-10" dirty="0">
+                <a:latin typeface="Arial MT"/>
+                <a:cs typeface="Arial MT"/>
+              </a:rPr>
+              <a:t> </a:t>
+            </a:r>
+            <a:r>
+              <a:rPr sz="2800" spc="-5" dirty="0">
                 <a:latin typeface="Arial MT"/>
                 <a:cs typeface="Arial MT"/>
               </a:rPr>
               <a:t>whitespaces</a:t>
             </a:r>
             <a:r>
-              <a:rPr dirty="0" sz="2800" spc="-15">
-                <a:latin typeface="Arial MT"/>
-                <a:cs typeface="Arial MT"/>
-              </a:rPr>
-              <a:t> </a:t>
-            </a:r>
-            <a:r>
-              <a:rPr dirty="0" sz="2800">
+              <a:rPr sz="2800" spc="-15" dirty="0">
+                <a:latin typeface="Arial MT"/>
+                <a:cs typeface="Arial MT"/>
+              </a:rPr>
+              <a:t> </a:t>
+            </a:r>
+            <a:r>
+              <a:rPr sz="2800" dirty="0">
                 <a:latin typeface="Arial MT"/>
                 <a:cs typeface="Arial MT"/>
               </a:rPr>
               <a:t>and</a:t>
             </a:r>
             <a:r>
-              <a:rPr dirty="0" sz="2800" spc="-10">
-                <a:latin typeface="Arial MT"/>
-                <a:cs typeface="Arial MT"/>
-              </a:rPr>
-              <a:t> </a:t>
-            </a:r>
-            <a:r>
-              <a:rPr dirty="0" sz="2800">
+              <a:rPr sz="2800" spc="-10" dirty="0">
+                <a:latin typeface="Arial MT"/>
+                <a:cs typeface="Arial MT"/>
+              </a:rPr>
+              <a:t> </a:t>
+            </a:r>
+            <a:r>
+              <a:rPr sz="2800" dirty="0">
                 <a:latin typeface="Arial MT"/>
                 <a:cs typeface="Arial MT"/>
               </a:rPr>
               <a:t>blank</a:t>
             </a:r>
             <a:r>
-              <a:rPr dirty="0" sz="2800" spc="-15">
-                <a:latin typeface="Arial MT"/>
-                <a:cs typeface="Arial MT"/>
-              </a:rPr>
-              <a:t> </a:t>
-            </a:r>
-            <a:r>
-              <a:rPr dirty="0" sz="2800">
+              <a:rPr sz="2800" spc="-15" dirty="0">
+                <a:latin typeface="Arial MT"/>
+                <a:cs typeface="Arial MT"/>
+              </a:rPr>
+              <a:t> </a:t>
+            </a:r>
+            <a:r>
+              <a:rPr sz="2800" dirty="0">
                 <a:latin typeface="Arial MT"/>
                 <a:cs typeface="Arial MT"/>
               </a:rPr>
@@ -4093,91 +4219,91 @@
               </a:tabLst>
             </a:pPr>
             <a:r>
-              <a:rPr dirty="0" sz="2800">
+              <a:rPr sz="2800" dirty="0">
                 <a:latin typeface="Arial MT"/>
                 <a:cs typeface="Arial MT"/>
               </a:rPr>
               <a:t>Use</a:t>
             </a:r>
             <a:r>
-              <a:rPr dirty="0" sz="2800" spc="-15">
-                <a:latin typeface="Arial MT"/>
-                <a:cs typeface="Arial MT"/>
-              </a:rPr>
-              <a:t> </a:t>
-            </a:r>
-            <a:r>
-              <a:rPr dirty="0" sz="2800">
+              <a:rPr sz="2800" spc="-15" dirty="0">
+                <a:latin typeface="Arial MT"/>
+                <a:cs typeface="Arial MT"/>
+              </a:rPr>
+              <a:t> </a:t>
+            </a:r>
+            <a:r>
+              <a:rPr sz="2800" dirty="0">
                 <a:latin typeface="Arial MT"/>
                 <a:cs typeface="Arial MT"/>
               </a:rPr>
               <a:t>{</a:t>
             </a:r>
             <a:r>
-              <a:rPr dirty="0" sz="2800" spc="-10">
-                <a:latin typeface="Arial MT"/>
-                <a:cs typeface="Arial MT"/>
-              </a:rPr>
-              <a:t> </a:t>
-            </a:r>
-            <a:r>
-              <a:rPr dirty="0" sz="2800">
+              <a:rPr sz="2800" spc="-10" dirty="0">
+                <a:latin typeface="Arial MT"/>
+                <a:cs typeface="Arial MT"/>
+              </a:rPr>
+              <a:t> </a:t>
+            </a:r>
+            <a:r>
+              <a:rPr sz="2800" dirty="0">
                 <a:latin typeface="Arial MT"/>
                 <a:cs typeface="Arial MT"/>
               </a:rPr>
               <a:t>}</a:t>
             </a:r>
             <a:r>
-              <a:rPr dirty="0" sz="2800" spc="-10">
-                <a:latin typeface="Arial MT"/>
-                <a:cs typeface="Arial MT"/>
-              </a:rPr>
-              <a:t> </a:t>
-            </a:r>
-            <a:r>
-              <a:rPr dirty="0" sz="2800" spc="-5">
+              <a:rPr sz="2800" spc="-10" dirty="0">
+                <a:latin typeface="Arial MT"/>
+                <a:cs typeface="Arial MT"/>
+              </a:rPr>
+              <a:t> </a:t>
+            </a:r>
+            <a:r>
+              <a:rPr sz="2800" spc="-5" dirty="0">
                 <a:latin typeface="Arial MT"/>
                 <a:cs typeface="Arial MT"/>
               </a:rPr>
               <a:t>after</a:t>
             </a:r>
             <a:r>
-              <a:rPr dirty="0" sz="2800" spc="-15">
-                <a:latin typeface="Arial MT"/>
-                <a:cs typeface="Arial MT"/>
-              </a:rPr>
-              <a:t> </a:t>
-            </a:r>
-            <a:r>
-              <a:rPr dirty="0" sz="2800">
+              <a:rPr sz="2800" spc="-15" dirty="0">
+                <a:latin typeface="Arial MT"/>
+                <a:cs typeface="Arial MT"/>
+              </a:rPr>
+              <a:t> </a:t>
+            </a:r>
+            <a:r>
+              <a:rPr sz="2800" dirty="0">
                 <a:latin typeface="Arial MT"/>
                 <a:cs typeface="Arial MT"/>
               </a:rPr>
               <a:t>if</a:t>
             </a:r>
             <a:r>
-              <a:rPr dirty="0" sz="2800" spc="-15">
-                <a:latin typeface="Arial MT"/>
-                <a:cs typeface="Arial MT"/>
-              </a:rPr>
-              <a:t> </a:t>
-            </a:r>
-            <a:r>
-              <a:rPr dirty="0" sz="2800">
+              <a:rPr sz="2800" spc="-15" dirty="0">
+                <a:latin typeface="Arial MT"/>
+                <a:cs typeface="Arial MT"/>
+              </a:rPr>
+              <a:t> </a:t>
+            </a:r>
+            <a:r>
+              <a:rPr sz="2800" dirty="0">
                 <a:latin typeface="Arial MT"/>
                 <a:cs typeface="Arial MT"/>
               </a:rPr>
               <a:t>/</a:t>
             </a:r>
             <a:r>
-              <a:rPr dirty="0" sz="2800" spc="-15">
-                <a:latin typeface="Arial MT"/>
-                <a:cs typeface="Arial MT"/>
-              </a:rPr>
-              <a:t> </a:t>
-            </a:r>
-            <a:r>
-              <a:rPr dirty="0" sz="2800" spc="-30">
+              <a:rPr sz="2800" spc="-15" dirty="0">
+                <a:latin typeface="Arial MT"/>
+                <a:cs typeface="Arial MT"/>
+              </a:rPr>
+              <a:t> </a:t>
+            </a:r>
+            <a:r>
+              <a:rPr sz="2800" spc="-30" dirty="0">
                 <a:latin typeface="Arial MT"/>
                 <a:cs typeface="Arial MT"/>
               </a:rPr>
@@ -4202,49 +4328,49 @@
               </a:tabLst>
             </a:pPr>
             <a:r>
-              <a:rPr dirty="0" sz="2800">
+              <a:rPr sz="2800" dirty="0">
                 <a:latin typeface="Arial MT"/>
                 <a:cs typeface="Arial MT"/>
               </a:rPr>
               <a:t>Don’t</a:t>
             </a:r>
             <a:r>
-              <a:rPr dirty="0" sz="2800" spc="-10">
-                <a:latin typeface="Arial MT"/>
-                <a:cs typeface="Arial MT"/>
-              </a:rPr>
-              <a:t> </a:t>
-            </a:r>
-            <a:r>
-              <a:rPr dirty="0" sz="2800">
+              <a:rPr sz="2800" spc="-10" dirty="0">
+                <a:latin typeface="Arial MT"/>
+                <a:cs typeface="Arial MT"/>
+              </a:rPr>
+              <a:t> </a:t>
+            </a:r>
+            <a:r>
+              <a:rPr sz="2800" dirty="0">
                 <a:latin typeface="Arial MT"/>
                 <a:cs typeface="Arial MT"/>
               </a:rPr>
               <a:t>use </a:t>
             </a:r>
             <a:r>
-              <a:rPr dirty="0" sz="2800" spc="-5">
+              <a:rPr sz="2800" spc="-5" dirty="0">
                 <a:latin typeface="Arial MT"/>
                 <a:cs typeface="Arial MT"/>
               </a:rPr>
               <a:t>casts.</a:t>
             </a:r>
             <a:r>
-              <a:rPr dirty="0" sz="2800" spc="-10">
-                <a:latin typeface="Arial MT"/>
-                <a:cs typeface="Arial MT"/>
-              </a:rPr>
-              <a:t> </a:t>
-            </a:r>
-            <a:r>
-              <a:rPr dirty="0" sz="2800" spc="-20">
+              <a:rPr sz="2800" spc="-10" dirty="0">
+                <a:latin typeface="Arial MT"/>
+                <a:cs typeface="Arial MT"/>
+              </a:rPr>
+              <a:t> </a:t>
+            </a:r>
+            <a:r>
+              <a:rPr sz="2800" spc="-20" dirty="0">
                 <a:latin typeface="Arial MT"/>
                 <a:cs typeface="Arial MT"/>
               </a:rPr>
               <a:t>Especially,</a:t>
             </a:r>
             <a:r>
-              <a:rPr dirty="0" sz="2800" spc="-5">
+              <a:rPr sz="2800" spc="-5" dirty="0">
                 <a:latin typeface="Arial MT"/>
                 <a:cs typeface="Arial MT"/>
               </a:rPr>
@@ -4297,10 +4423,12 @@
             <a:off x="871219" y="642446"/>
             <a:ext cx="5430520" cy="695960"/>
           </a:xfrm>
-          <a:prstGeom prst="rect"/>
+          <a:prstGeom prst="rect">
+            <a:avLst/>
+          </a:prstGeom>
         </p:spPr>
         <p:txBody>
-          <a:bodyPr wrap="square" lIns="0" tIns="12700" rIns="0" bIns="0" rtlCol="0" vert="horz">
+          <a:bodyPr vert="horz" wrap="square" lIns="0" tIns="12700" rIns="0" bIns="0" rtlCol="0">
             <a:spAutoFit/>
           </a:bodyPr>
           <a:lstStyle/>
@@ -4317,31 +4445,31 @@
               </a:tabLst>
             </a:pPr>
             <a:r>
-              <a:rPr dirty="0" sz="4400"/>
+              <a:rPr sz="4400" dirty="0"/>
               <a:t>A</a:t>
             </a:r>
             <a:r>
-              <a:rPr dirty="0" sz="4400" spc="-245"/>
-              <a:t> </a:t>
-            </a:r>
-            <a:r>
-              <a:rPr dirty="0" sz="4400"/>
+              <a:rPr sz="4400" spc="-245" dirty="0"/>
+              <a:t> </a:t>
+            </a:r>
+            <a:r>
+              <a:rPr sz="4400" dirty="0"/>
               <a:t>bit</a:t>
             </a:r>
             <a:r>
-              <a:rPr dirty="0" sz="4400" spc="-5"/>
-              <a:t> </a:t>
-            </a:r>
-            <a:r>
-              <a:rPr dirty="0" sz="4400"/>
+              <a:rPr sz="4400" spc="-5" dirty="0"/>
+              <a:t> </a:t>
+            </a:r>
+            <a:r>
+              <a:rPr sz="4400" dirty="0"/>
               <a:t>more Code	S</a:t>
             </a:r>
             <a:r>
-              <a:rPr dirty="0" sz="4400" spc="-5"/>
+              <a:rPr sz="4400" spc="-5" dirty="0"/>
               <a:t>t</a:t>
             </a:r>
             <a:r>
-              <a:rPr dirty="0" sz="4400"/>
+              <a:rPr sz="4400" dirty="0"/>
               <a:t>yle</a:t>
             </a:r>
             <a:endParaRPr sz="4400"/>
@@ -4359,10 +4487,12 @@
           </p:nvPr>
         </p:nvSpPr>
         <p:spPr>
-          <a:prstGeom prst="rect"/>
+          <a:prstGeom prst="rect">
+            <a:avLst/>
+          </a:prstGeom>
         </p:spPr>
         <p:txBody>
-          <a:bodyPr wrap="square" lIns="0" tIns="80010" rIns="0" bIns="0" rtlCol="0" vert="horz">
+          <a:bodyPr vert="horz" wrap="square" lIns="0" tIns="80010" rIns="0" bIns="0" rtlCol="0">
             <a:spAutoFit/>
           </a:bodyPr>
           <a:lstStyle/>
@@ -4384,7 +4514,7 @@
               <a:t>Use</a:t>
             </a:r>
             <a:r>
-              <a:rPr dirty="0" spc="-5"/>
+              <a:rPr spc="-5" dirty="0"/>
               <a:t> </a:t>
             </a:r>
             <a:r>
@@ -4392,7 +4522,7 @@
               <a:t>x</a:t>
             </a:r>
             <a:r>
-              <a:rPr dirty="0" spc="-10"/>
+              <a:rPr spc="-10" dirty="0"/>
               <a:t> </a:t>
             </a:r>
             <a:r>
@@ -4400,7 +4530,7 @@
               <a:t>+=</a:t>
             </a:r>
             <a:r>
-              <a:rPr dirty="0" spc="-5"/>
+              <a:rPr spc="-5" dirty="0"/>
               <a:t> </a:t>
             </a:r>
             <a:r>
@@ -4408,11 +4538,11 @@
               <a:t>c</a:t>
             </a:r>
             <a:r>
-              <a:rPr dirty="0" spc="-10"/>
-              <a:t> </a:t>
-            </a:r>
-            <a:r>
-              <a:rPr dirty="0" spc="-5"/>
+              <a:rPr spc="-10" dirty="0"/>
+              <a:t> </a:t>
+            </a:r>
+            <a:r>
+              <a:rPr spc="-5" dirty="0"/>
               <a:t>instead </a:t>
             </a:r>
             <a:r>
@@ -4420,7 +4550,7 @@
               <a:t>of</a:t>
             </a:r>
             <a:r>
-              <a:rPr dirty="0" spc="-10"/>
+              <a:rPr spc="-10" dirty="0"/>
               <a:t> </a:t>
             </a:r>
             <a:r>
@@ -4428,7 +4558,7 @@
               <a:t>x</a:t>
             </a:r>
             <a:r>
-              <a:rPr dirty="0" spc="-10"/>
+              <a:rPr spc="-10" dirty="0"/>
               <a:t> </a:t>
             </a:r>
             <a:r>
@@ -4436,7 +4566,7 @@
               <a:t>=</a:t>
             </a:r>
             <a:r>
-              <a:rPr dirty="0" spc="-5"/>
+              <a:rPr spc="-5" dirty="0"/>
               <a:t> </a:t>
             </a:r>
             <a:r>
@@ -4444,7 +4574,7 @@
               <a:t>x</a:t>
             </a:r>
             <a:r>
-              <a:rPr dirty="0" spc="-10"/>
+              <a:rPr spc="-10" dirty="0"/>
               <a:t> </a:t>
             </a:r>
             <a:r>
@@ -4452,7 +4582,7 @@
               <a:t>+</a:t>
             </a:r>
             <a:r>
-              <a:rPr dirty="0" spc="-5"/>
+              <a:rPr spc="-5" dirty="0"/>
               <a:t> </a:t>
             </a:r>
             <a:r>
@@ -4460,11 +4590,11 @@
               <a:t>c</a:t>
             </a:r>
             <a:r>
-              <a:rPr dirty="0" spc="-10"/>
-              <a:t> </a:t>
-            </a:r>
-            <a:r>
-              <a:rPr dirty="0" spc="-5"/>
+              <a:rPr spc="-10" dirty="0"/>
+              <a:t> </a:t>
+            </a:r>
+            <a:r>
+              <a:rPr spc="-5" dirty="0"/>
               <a:t>etc.</a:t>
             </a:r>
           </a:p>
@@ -4486,7 +4616,7 @@
               <a:t>Use</a:t>
             </a:r>
             <a:r>
-              <a:rPr dirty="0" spc="-10"/>
+              <a:rPr spc="-10" dirty="0"/>
               <a:t> </a:t>
             </a:r>
             <a:r>
@@ -4494,15 +4624,15 @@
               <a:t>++x</a:t>
             </a:r>
             <a:r>
-              <a:rPr dirty="0" spc="-10"/>
-              <a:t> </a:t>
-            </a:r>
-            <a:r>
-              <a:rPr dirty="0" spc="-5"/>
+              <a:rPr spc="-10" dirty="0"/>
+              <a:t> </a:t>
+            </a:r>
+            <a:r>
+              <a:rPr spc="-5" dirty="0"/>
               <a:t>instead</a:t>
             </a:r>
             <a:r>
-              <a:rPr dirty="0" spc="-10"/>
+              <a:rPr spc="-10" dirty="0"/>
               <a:t> </a:t>
             </a:r>
             <a:r>
@@ -4510,7 +4640,7 @@
               <a:t>of</a:t>
             </a:r>
             <a:r>
-              <a:rPr dirty="0" spc="-15"/>
+              <a:rPr spc="-15" dirty="0"/>
               <a:t> </a:t>
             </a:r>
             <a:r>
@@ -4518,7 +4648,7 @@
               <a:t>x++</a:t>
             </a:r>
             <a:r>
-              <a:rPr dirty="0" spc="-15"/>
+              <a:rPr spc="-15" dirty="0"/>
               <a:t> </a:t>
             </a:r>
             <a:r>
@@ -4526,7 +4656,7 @@
               <a:t>if</a:t>
             </a:r>
             <a:r>
-              <a:rPr dirty="0" spc="-15"/>
+              <a:rPr spc="-15" dirty="0"/>
               <a:t> </a:t>
             </a:r>
             <a:r>
@@ -4552,24 +4682,24 @@
               <a:t>Use</a:t>
             </a:r>
             <a:r>
-              <a:rPr dirty="0" spc="-10"/>
-              <a:t> </a:t>
-            </a:r>
-            <a:r>
-              <a:rPr dirty="0" spc="-5"/>
+              <a:rPr spc="-10" dirty="0"/>
+              <a:t> </a:t>
+            </a:r>
+            <a:r>
+              <a:rPr spc="-5" dirty="0"/>
               <a:t>ternary</a:t>
             </a:r>
             <a:r>
-              <a:rPr dirty="0" spc="-15"/>
-              <a:t> </a:t>
-            </a:r>
-            <a:r>
-              <a:rPr dirty="0" spc="-5"/>
+              <a:rPr spc="-15" dirty="0"/>
+              <a:t> </a:t>
+            </a:r>
+            <a:r>
+              <a:rPr spc="-5" dirty="0"/>
               <a:t>operator:</a:t>
             </a:r>
           </a:p>
           <a:p>
-            <a:pPr lvl="1" marL="698500" indent="-228600">
+            <a:pPr marL="698500" lvl="1" indent="-228600">
               <a:lnSpc>
                 <a:spcPct val="100000"/>
               </a:lnSpc>
@@ -4582,91 +4712,91 @@
               </a:tabLst>
             </a:pPr>
             <a:r>
-              <a:rPr dirty="0" sz="2800">
+              <a:rPr sz="2800" dirty="0">
                 <a:latin typeface="Arial MT"/>
                 <a:cs typeface="Arial MT"/>
               </a:rPr>
               <a:t>if</a:t>
             </a:r>
             <a:r>
-              <a:rPr dirty="0" sz="2800" spc="-15">
-                <a:latin typeface="Arial MT"/>
-                <a:cs typeface="Arial MT"/>
-              </a:rPr>
-              <a:t> </a:t>
-            </a:r>
-            <a:r>
-              <a:rPr dirty="0" sz="2800" spc="-5">
+              <a:rPr sz="2800" spc="-15" dirty="0">
+                <a:latin typeface="Arial MT"/>
+                <a:cs typeface="Arial MT"/>
+              </a:rPr>
+              <a:t> </a:t>
+            </a:r>
+            <a:r>
+              <a:rPr sz="2800" spc="-5" dirty="0">
                 <a:latin typeface="Arial MT"/>
                 <a:cs typeface="Arial MT"/>
               </a:rPr>
               <a:t>(condition)</a:t>
             </a:r>
             <a:r>
-              <a:rPr dirty="0" sz="2800" spc="-10">
-                <a:latin typeface="Arial MT"/>
-                <a:cs typeface="Arial MT"/>
-              </a:rPr>
-              <a:t> </a:t>
-            </a:r>
-            <a:r>
-              <a:rPr dirty="0" sz="2800">
+              <a:rPr sz="2800" spc="-10" dirty="0">
+                <a:latin typeface="Arial MT"/>
+                <a:cs typeface="Arial MT"/>
+              </a:rPr>
+              <a:t> </a:t>
+            </a:r>
+            <a:r>
+              <a:rPr sz="2800" dirty="0">
                 <a:latin typeface="Arial MT"/>
                 <a:cs typeface="Arial MT"/>
               </a:rPr>
               <a:t>x</a:t>
             </a:r>
             <a:r>
-              <a:rPr dirty="0" sz="2800" spc="-15">
-                <a:latin typeface="Arial MT"/>
-                <a:cs typeface="Arial MT"/>
-              </a:rPr>
-              <a:t> </a:t>
-            </a:r>
-            <a:r>
-              <a:rPr dirty="0" sz="2800">
+              <a:rPr sz="2800" spc="-15" dirty="0">
+                <a:latin typeface="Arial MT"/>
+                <a:cs typeface="Arial MT"/>
+              </a:rPr>
+              <a:t> </a:t>
+            </a:r>
+            <a:r>
+              <a:rPr sz="2800" dirty="0">
                 <a:latin typeface="Arial MT"/>
                 <a:cs typeface="Arial MT"/>
               </a:rPr>
               <a:t>=</a:t>
             </a:r>
             <a:r>
-              <a:rPr dirty="0" sz="2800" spc="-5">
-                <a:latin typeface="Arial MT"/>
-                <a:cs typeface="Arial MT"/>
-              </a:rPr>
-              <a:t> </a:t>
-            </a:r>
-            <a:r>
-              <a:rPr dirty="0" sz="2800">
+              <a:rPr sz="2800" spc="-5" dirty="0">
+                <a:latin typeface="Arial MT"/>
+                <a:cs typeface="Arial MT"/>
+              </a:rPr>
+              <a:t> </a:t>
+            </a:r>
+            <a:r>
+              <a:rPr sz="2800" dirty="0">
                 <a:latin typeface="Arial MT"/>
                 <a:cs typeface="Arial MT"/>
               </a:rPr>
               <a:t>a;</a:t>
             </a:r>
             <a:r>
-              <a:rPr dirty="0" sz="2800" spc="-10">
-                <a:latin typeface="Arial MT"/>
-                <a:cs typeface="Arial MT"/>
-              </a:rPr>
-              <a:t> </a:t>
-            </a:r>
-            <a:r>
-              <a:rPr dirty="0" sz="2800">
+              <a:rPr sz="2800" spc="-10" dirty="0">
+                <a:latin typeface="Arial MT"/>
+                <a:cs typeface="Arial MT"/>
+              </a:rPr>
+              <a:t> </a:t>
+            </a:r>
+            <a:r>
+              <a:rPr sz="2800" dirty="0">
                 <a:latin typeface="Arial MT"/>
                 <a:cs typeface="Arial MT"/>
               </a:rPr>
               <a:t>else</a:t>
             </a:r>
             <a:r>
-              <a:rPr dirty="0" sz="2800" spc="-10">
-                <a:latin typeface="Arial MT"/>
-                <a:cs typeface="Arial MT"/>
-              </a:rPr>
-              <a:t> </a:t>
-            </a:r>
-            <a:r>
-              <a:rPr dirty="0" sz="2800">
+              <a:rPr sz="2800" spc="-10" dirty="0">
+                <a:latin typeface="Arial MT"/>
+                <a:cs typeface="Arial MT"/>
+              </a:rPr>
+              <a:t> </a:t>
+            </a:r>
+            <a:r>
+              <a:rPr sz="2800" dirty="0">
                 <a:latin typeface="Arial MT"/>
                 <a:cs typeface="Arial MT"/>
               </a:rPr>
@@ -4695,7 +4825,7 @@
           </a:prstGeom>
         </p:spPr>
         <p:txBody>
-          <a:bodyPr wrap="square" lIns="0" tIns="12700" rIns="0" bIns="0" rtlCol="0" vert="horz">
+          <a:bodyPr vert="horz" wrap="square" lIns="0" tIns="12700" rIns="0" bIns="0" rtlCol="0">
             <a:spAutoFit/>
           </a:bodyPr>
           <a:lstStyle/>
@@ -4713,119 +4843,119 @@
               </a:tabLst>
             </a:pPr>
             <a:r>
-              <a:rPr dirty="0" sz="2800" spc="-5">
+              <a:rPr sz="2800" spc="-5" dirty="0">
                 <a:latin typeface="Arial MT"/>
                 <a:cs typeface="Arial MT"/>
               </a:rPr>
               <a:t>condition</a:t>
             </a:r>
             <a:r>
-              <a:rPr dirty="0" sz="2800" spc="-10">
-                <a:latin typeface="Arial MT"/>
-                <a:cs typeface="Arial MT"/>
-              </a:rPr>
-              <a:t> </a:t>
-            </a:r>
-            <a:r>
-              <a:rPr dirty="0" sz="2800">
+              <a:rPr sz="2800" spc="-10" dirty="0">
+                <a:latin typeface="Arial MT"/>
+                <a:cs typeface="Arial MT"/>
+              </a:rPr>
+              <a:t> </a:t>
+            </a:r>
+            <a:r>
+              <a:rPr sz="2800" dirty="0">
                 <a:latin typeface="Arial MT"/>
                 <a:cs typeface="Arial MT"/>
               </a:rPr>
               <a:t>?</a:t>
             </a:r>
             <a:r>
-              <a:rPr dirty="0" sz="2800" spc="-5">
-                <a:latin typeface="Arial MT"/>
-                <a:cs typeface="Arial MT"/>
-              </a:rPr>
-              <a:t> </a:t>
-            </a:r>
-            <a:r>
-              <a:rPr dirty="0" sz="2800">
+              <a:rPr sz="2800" spc="-5" dirty="0">
+                <a:latin typeface="Arial MT"/>
+                <a:cs typeface="Arial MT"/>
+              </a:rPr>
+              <a:t> </a:t>
+            </a:r>
+            <a:r>
+              <a:rPr sz="2800" dirty="0">
                 <a:latin typeface="Arial MT"/>
                 <a:cs typeface="Arial MT"/>
               </a:rPr>
               <a:t>x</a:t>
             </a:r>
             <a:r>
-              <a:rPr dirty="0" sz="2800" spc="-15">
-                <a:latin typeface="Arial MT"/>
-                <a:cs typeface="Arial MT"/>
-              </a:rPr>
-              <a:t> </a:t>
-            </a:r>
-            <a:r>
-              <a:rPr dirty="0" sz="2800">
+              <a:rPr sz="2800" spc="-15" dirty="0">
+                <a:latin typeface="Arial MT"/>
+                <a:cs typeface="Arial MT"/>
+              </a:rPr>
+              <a:t> </a:t>
+            </a:r>
+            <a:r>
+              <a:rPr sz="2800" dirty="0">
                 <a:latin typeface="Arial MT"/>
                 <a:cs typeface="Arial MT"/>
               </a:rPr>
               <a:t>=</a:t>
             </a:r>
             <a:r>
-              <a:rPr dirty="0" sz="2800" spc="-5">
-                <a:latin typeface="Arial MT"/>
-                <a:cs typeface="Arial MT"/>
-              </a:rPr>
-              <a:t> </a:t>
-            </a:r>
-            <a:r>
-              <a:rPr dirty="0" sz="2800">
+              <a:rPr sz="2800" spc="-5" dirty="0">
+                <a:latin typeface="Arial MT"/>
+                <a:cs typeface="Arial MT"/>
+              </a:rPr>
+              <a:t> </a:t>
+            </a:r>
+            <a:r>
+              <a:rPr sz="2800" dirty="0">
                 <a:latin typeface="Arial MT"/>
                 <a:cs typeface="Arial MT"/>
               </a:rPr>
               <a:t>a</a:t>
             </a:r>
             <a:r>
-              <a:rPr dirty="0" sz="2800" spc="-10">
-                <a:latin typeface="Arial MT"/>
-                <a:cs typeface="Arial MT"/>
-              </a:rPr>
-              <a:t> </a:t>
-            </a:r>
-            <a:r>
-              <a:rPr dirty="0" sz="2800">
+              <a:rPr sz="2800" spc="-10" dirty="0">
+                <a:latin typeface="Arial MT"/>
+                <a:cs typeface="Arial MT"/>
+              </a:rPr>
+              <a:t> </a:t>
+            </a:r>
+            <a:r>
+              <a:rPr sz="2800" dirty="0">
                 <a:latin typeface="Arial MT"/>
                 <a:cs typeface="Arial MT"/>
               </a:rPr>
               <a:t>:</a:t>
             </a:r>
             <a:r>
-              <a:rPr dirty="0" sz="2800" spc="-10">
-                <a:latin typeface="Arial MT"/>
-                <a:cs typeface="Arial MT"/>
-              </a:rPr>
-              <a:t> </a:t>
-            </a:r>
-            <a:r>
-              <a:rPr dirty="0" sz="2800">
+              <a:rPr sz="2800" spc="-10" dirty="0">
+                <a:latin typeface="Arial MT"/>
+                <a:cs typeface="Arial MT"/>
+              </a:rPr>
+              <a:t> </a:t>
+            </a:r>
+            <a:r>
+              <a:rPr sz="2800" dirty="0">
                 <a:latin typeface="Arial MT"/>
                 <a:cs typeface="Arial MT"/>
               </a:rPr>
               <a:t>x</a:t>
             </a:r>
             <a:r>
-              <a:rPr dirty="0" sz="2800" spc="-15">
-                <a:latin typeface="Arial MT"/>
-                <a:cs typeface="Arial MT"/>
-              </a:rPr>
-              <a:t> </a:t>
-            </a:r>
-            <a:r>
-              <a:rPr dirty="0" sz="2800">
+              <a:rPr sz="2800" spc="-15" dirty="0">
+                <a:latin typeface="Arial MT"/>
+                <a:cs typeface="Arial MT"/>
+              </a:rPr>
+              <a:t> </a:t>
+            </a:r>
+            <a:r>
+              <a:rPr sz="2800" dirty="0">
                 <a:latin typeface="Arial MT"/>
                 <a:cs typeface="Arial MT"/>
               </a:rPr>
               <a:t>=</a:t>
             </a:r>
             <a:r>
-              <a:rPr dirty="0" sz="2800" spc="-5">
-                <a:latin typeface="Arial MT"/>
-                <a:cs typeface="Arial MT"/>
-              </a:rPr>
-              <a:t> </a:t>
-            </a:r>
-            <a:r>
-              <a:rPr dirty="0" sz="2800">
+              <a:rPr sz="2800" spc="-5" dirty="0">
+                <a:latin typeface="Arial MT"/>
+                <a:cs typeface="Arial MT"/>
+              </a:rPr>
+              <a:t> </a:t>
+            </a:r>
+            <a:r>
+              <a:rPr sz="2800" dirty="0">
                 <a:latin typeface="Arial MT"/>
                 <a:cs typeface="Arial MT"/>
               </a:rPr>
@@ -4850,84 +4980,84 @@
               </a:tabLst>
             </a:pPr>
             <a:r>
-              <a:rPr dirty="0" sz="2800">
+              <a:rPr sz="2800" dirty="0">
                 <a:latin typeface="Arial MT"/>
                 <a:cs typeface="Arial MT"/>
               </a:rPr>
               <a:t>x</a:t>
             </a:r>
             <a:r>
-              <a:rPr dirty="0" sz="2800" spc="-15">
-                <a:latin typeface="Arial MT"/>
-                <a:cs typeface="Arial MT"/>
-              </a:rPr>
-              <a:t> </a:t>
-            </a:r>
-            <a:r>
-              <a:rPr dirty="0" sz="2800">
+              <a:rPr sz="2800" spc="-15" dirty="0">
+                <a:latin typeface="Arial MT"/>
+                <a:cs typeface="Arial MT"/>
+              </a:rPr>
+              <a:t> </a:t>
+            </a:r>
+            <a:r>
+              <a:rPr sz="2800" dirty="0">
                 <a:latin typeface="Arial MT"/>
                 <a:cs typeface="Arial MT"/>
               </a:rPr>
               <a:t>=</a:t>
             </a:r>
             <a:r>
-              <a:rPr dirty="0" sz="2800" spc="-10">
-                <a:latin typeface="Arial MT"/>
-                <a:cs typeface="Arial MT"/>
-              </a:rPr>
-              <a:t> </a:t>
-            </a:r>
-            <a:r>
-              <a:rPr dirty="0" sz="2800" spc="-5">
+              <a:rPr sz="2800" spc="-10" dirty="0">
+                <a:latin typeface="Arial MT"/>
+                <a:cs typeface="Arial MT"/>
+              </a:rPr>
+              <a:t> </a:t>
+            </a:r>
+            <a:r>
+              <a:rPr sz="2800" spc="-5" dirty="0">
                 <a:latin typeface="Arial MT"/>
                 <a:cs typeface="Arial MT"/>
               </a:rPr>
               <a:t>(condition </a:t>
             </a:r>
             <a:r>
-              <a:rPr dirty="0" sz="2800">
+              <a:rPr sz="2800" dirty="0">
                 <a:latin typeface="Arial MT"/>
                 <a:cs typeface="Arial MT"/>
               </a:rPr>
               <a:t>?</a:t>
             </a:r>
             <a:r>
-              <a:rPr dirty="0" sz="2800" spc="-10">
-                <a:latin typeface="Arial MT"/>
-                <a:cs typeface="Arial MT"/>
-              </a:rPr>
-              <a:t> </a:t>
-            </a:r>
-            <a:r>
-              <a:rPr dirty="0" sz="2800">
+              <a:rPr sz="2800" spc="-10" dirty="0">
+                <a:latin typeface="Arial MT"/>
+                <a:cs typeface="Arial MT"/>
+              </a:rPr>
+              <a:t> </a:t>
+            </a:r>
+            <a:r>
+              <a:rPr sz="2800" dirty="0">
                 <a:latin typeface="Arial MT"/>
                 <a:cs typeface="Arial MT"/>
               </a:rPr>
               <a:t>a</a:t>
             </a:r>
             <a:r>
-              <a:rPr dirty="0" sz="2800" spc="-5">
-                <a:latin typeface="Arial MT"/>
-                <a:cs typeface="Arial MT"/>
-              </a:rPr>
-              <a:t> </a:t>
-            </a:r>
-            <a:r>
-              <a:rPr dirty="0" sz="2800">
+              <a:rPr sz="2800" spc="-5" dirty="0">
+                <a:latin typeface="Arial MT"/>
+                <a:cs typeface="Arial MT"/>
+              </a:rPr>
+              <a:t> </a:t>
+            </a:r>
+            <a:r>
+              <a:rPr sz="2800" dirty="0">
                 <a:latin typeface="Arial MT"/>
                 <a:cs typeface="Arial MT"/>
               </a:rPr>
               <a:t>:</a:t>
             </a:r>
             <a:r>
-              <a:rPr dirty="0" sz="2800" spc="-15">
-                <a:latin typeface="Arial MT"/>
-                <a:cs typeface="Arial MT"/>
-              </a:rPr>
-              <a:t> </a:t>
-            </a:r>
-            <a:r>
-              <a:rPr dirty="0" sz="2800">
+              <a:rPr sz="2800" spc="-15" dirty="0">
+                <a:latin typeface="Arial MT"/>
+                <a:cs typeface="Arial MT"/>
+              </a:rPr>
+              <a:t> </a:t>
+            </a:r>
+            <a:r>
+              <a:rPr sz="2800" dirty="0">
                 <a:latin typeface="Arial MT"/>
                 <a:cs typeface="Arial MT"/>
               </a:rPr>
@@ -4956,7 +5086,7 @@
           </a:prstGeom>
         </p:spPr>
         <p:txBody>
-          <a:bodyPr wrap="square" lIns="0" tIns="8890" rIns="0" bIns="0" rtlCol="0" vert="horz">
+          <a:bodyPr vert="horz" wrap="square" lIns="0" tIns="8890" rIns="0" bIns="0" rtlCol="0">
             <a:spAutoFit/>
           </a:bodyPr>
           <a:lstStyle/>
@@ -4970,7 +5100,7 @@
               </a:spcBef>
             </a:pPr>
             <a:r>
-              <a:rPr dirty="0" sz="2800" b="1">
+              <a:rPr sz="2800" b="1" dirty="0">
                 <a:solidFill>
                   <a:srgbClr val="C00000"/>
                 </a:solidFill>
@@ -4980,7 +5110,7 @@
               <a:t>BAD </a:t>
             </a:r>
             <a:r>
-              <a:rPr dirty="0" sz="2800" spc="5" b="1">
+              <a:rPr sz="2800" b="1" spc="5" dirty="0">
                 <a:solidFill>
                   <a:srgbClr val="C00000"/>
                 </a:solidFill>
@@ -4990,7 +5120,7 @@
               <a:t> </a:t>
             </a:r>
             <a:r>
-              <a:rPr dirty="0" sz="2800" spc="-5" b="1">
+              <a:rPr sz="2800" b="1" spc="-5" dirty="0">
                 <a:solidFill>
                   <a:srgbClr val="00B050"/>
                 </a:solidFill>
@@ -5046,10 +5176,12 @@
             <a:off x="871219" y="642446"/>
             <a:ext cx="6579870" cy="695960"/>
           </a:xfrm>
-          <a:prstGeom prst="rect"/>
+          <a:prstGeom prst="rect">
+            <a:avLst/>
+          </a:prstGeom>
         </p:spPr>
         <p:txBody>
-          <a:bodyPr wrap="square" lIns="0" tIns="12700" rIns="0" bIns="0" rtlCol="0" vert="horz">
+          <a:bodyPr vert="horz" wrap="square" lIns="0" tIns="12700" rIns="0" bIns="0" rtlCol="0">
             <a:spAutoFit/>
           </a:bodyPr>
           <a:lstStyle/>
@@ -5063,31 +5195,31 @@
               </a:spcBef>
             </a:pPr>
             <a:r>
-              <a:rPr dirty="0" sz="4400"/>
+              <a:rPr sz="4400" dirty="0"/>
               <a:t>Don’t</a:t>
             </a:r>
             <a:r>
-              <a:rPr dirty="0" sz="4400" spc="-30"/>
-              <a:t> </a:t>
-            </a:r>
-            <a:r>
-              <a:rPr dirty="0" sz="4400"/>
+              <a:rPr sz="4400" spc="-30" dirty="0"/>
+              <a:t> </a:t>
+            </a:r>
+            <a:r>
+              <a:rPr sz="4400" dirty="0"/>
               <a:t>use</a:t>
             </a:r>
             <a:r>
-              <a:rPr dirty="0" sz="4400" spc="-20"/>
-              <a:t> </a:t>
-            </a:r>
-            <a:r>
-              <a:rPr dirty="0" sz="4400"/>
+              <a:rPr sz="4400" spc="-20" dirty="0"/>
+              <a:t> </a:t>
+            </a:r>
+            <a:r>
+              <a:rPr sz="4400" dirty="0"/>
               <a:t>magic</a:t>
             </a:r>
             <a:r>
-              <a:rPr dirty="0" sz="4400" spc="-25"/>
-              <a:t> </a:t>
-            </a:r>
-            <a:r>
-              <a:rPr dirty="0" sz="4400" spc="-5"/>
+              <a:rPr sz="4400" spc="-25" dirty="0"/>
+              <a:t> </a:t>
+            </a:r>
+            <a:r>
+              <a:rPr sz="4400" spc="-5" dirty="0"/>
               <a:t>constants</a:t>
             </a:r>
             <a:endParaRPr sz="4400"/>
@@ -5110,7 +5242,7 @@
           </a:prstGeom>
         </p:spPr>
         <p:txBody>
-          <a:bodyPr wrap="square" lIns="0" tIns="12700" rIns="0" bIns="0" rtlCol="0" vert="horz">
+          <a:bodyPr vert="horz" wrap="square" lIns="0" tIns="12700" rIns="0" bIns="0" rtlCol="0">
             <a:spAutoFit/>
           </a:bodyPr>
           <a:lstStyle/>
@@ -5131,7 +5263,7 @@
               </a:tabLst>
             </a:pPr>
             <a:r>
-              <a:rPr dirty="0" u="heavy" sz="2800" spc="-5">
+              <a:rPr sz="2800" u="heavy" spc="-5" dirty="0">
                 <a:solidFill>
                   <a:srgbClr val="0563C1"/>
                 </a:solidFill>
@@ -5146,7 +5278,7 @@
               <a:t>Inverse</a:t>
             </a:r>
             <a:r>
-              <a:rPr dirty="0" u="heavy" sz="2800">
+              <a:rPr sz="2800" u="heavy" dirty="0">
                 <a:solidFill>
                   <a:srgbClr val="0563C1"/>
                 </a:solidFill>
@@ -5161,7 +5293,7 @@
               <a:t> square</a:t>
             </a:r>
             <a:r>
-              <a:rPr dirty="0" u="heavy" sz="2800" spc="5">
+              <a:rPr sz="2800" u="heavy" spc="5" dirty="0">
                 <a:solidFill>
                   <a:srgbClr val="0563C1"/>
                 </a:solidFill>
@@ -5176,7 +5308,7 @@
               <a:t> </a:t>
             </a:r>
             <a:r>
-              <a:rPr dirty="0" u="heavy" sz="2800">
+              <a:rPr sz="2800" u="heavy" dirty="0">
                 <a:solidFill>
                   <a:srgbClr val="0563C1"/>
                 </a:solidFill>
@@ -5191,7 +5323,7 @@
               <a:t>root </a:t>
             </a:r>
             <a:r>
-              <a:rPr dirty="0" u="heavy" sz="2800" spc="-5">
+              <a:rPr sz="2800" u="heavy" spc="-5" dirty="0">
                 <a:solidFill>
                   <a:srgbClr val="0563C1"/>
                 </a:solidFill>
@@ -5206,7 +5338,7 @@
               <a:t>implementation, Quake</a:t>
             </a:r>
             <a:r>
-              <a:rPr dirty="0" u="heavy" sz="2800" spc="-150">
+              <a:rPr sz="2800" u="heavy" spc="-150" dirty="0">
                 <a:solidFill>
                   <a:srgbClr val="0563C1"/>
                 </a:solidFill>
@@ -5221,7 +5353,7 @@
               <a:t> </a:t>
             </a:r>
             <a:r>
-              <a:rPr dirty="0" u="heavy" sz="2800">
+              <a:rPr sz="2800" u="heavy" dirty="0">
                 <a:solidFill>
                   <a:srgbClr val="0563C1"/>
                 </a:solidFill>
@@ -5236,7 +5368,7 @@
               <a:t>Arena </a:t>
             </a:r>
             <a:r>
-              <a:rPr dirty="0" u="heavy" sz="2800" spc="-5">
+              <a:rPr sz="2800" u="heavy" spc="-5" dirty="0">
                 <a:solidFill>
                   <a:srgbClr val="0563C1"/>
                 </a:solidFill>
@@ -5319,10 +5451,12 @@
             <a:off x="871219" y="642446"/>
             <a:ext cx="7178040" cy="695960"/>
           </a:xfrm>
-          <a:prstGeom prst="rect"/>
+          <a:prstGeom prst="rect">
+            <a:avLst/>
+          </a:prstGeom>
         </p:spPr>
         <p:txBody>
-          <a:bodyPr wrap="square" lIns="0" tIns="12700" rIns="0" bIns="0" rtlCol="0" vert="horz">
+          <a:bodyPr vert="horz" wrap="square" lIns="0" tIns="12700" rIns="0" bIns="0" rtlCol="0">
             <a:spAutoFit/>
           </a:bodyPr>
           <a:lstStyle/>
@@ -5339,31 +5473,31 @@
               </a:tabLst>
             </a:pPr>
             <a:r>
-              <a:rPr dirty="0" sz="4400" spc="-35"/>
+              <a:rPr sz="4400" spc="-35" dirty="0"/>
               <a:t>Tips,</a:t>
             </a:r>
             <a:r>
-              <a:rPr dirty="0" sz="4400" spc="5"/>
-              <a:t> </a:t>
-            </a:r>
-            <a:r>
-              <a:rPr dirty="0" sz="4400" spc="-5"/>
+              <a:rPr sz="4400" spc="5" dirty="0"/>
+              <a:t> </a:t>
+            </a:r>
+            <a:r>
+              <a:rPr sz="4400" spc="-5" dirty="0"/>
               <a:t>tricks</a:t>
             </a:r>
             <a:r>
-              <a:rPr dirty="0" sz="4400" spc="5"/>
-              <a:t> </a:t>
-            </a:r>
-            <a:r>
-              <a:rPr dirty="0" sz="4400"/>
+              <a:rPr sz="4400" spc="5" dirty="0"/>
+              <a:t> </a:t>
+            </a:r>
+            <a:r>
+              <a:rPr sz="4400" dirty="0"/>
               <a:t>&amp;&amp;	best</a:t>
             </a:r>
             <a:r>
-              <a:rPr dirty="0" sz="4400" spc="-60"/>
-              <a:t> </a:t>
-            </a:r>
-            <a:r>
-              <a:rPr dirty="0" sz="4400" spc="-5"/>
+              <a:rPr sz="4400" spc="-60" dirty="0"/>
+              <a:t> </a:t>
+            </a:r>
+            <a:r>
+              <a:rPr sz="4400" spc="-5" dirty="0"/>
               <a:t>practices</a:t>
             </a:r>
             <a:endParaRPr sz="4400"/>
@@ -5386,7 +5520,7 @@
           </a:prstGeom>
         </p:spPr>
         <p:txBody>
-          <a:bodyPr wrap="square" lIns="0" tIns="80010" rIns="0" bIns="0" rtlCol="0" vert="horz">
+          <a:bodyPr vert="horz" wrap="square" lIns="0" tIns="80010" rIns="0" bIns="0" rtlCol="0">
             <a:spAutoFit/>
           </a:bodyPr>
           <a:lstStyle/>
@@ -5404,84 +5538,84 @@
               </a:tabLst>
             </a:pPr>
             <a:r>
-              <a:rPr dirty="0" sz="2800">
+              <a:rPr sz="2800" dirty="0">
                 <a:latin typeface="Arial MT"/>
                 <a:cs typeface="Arial MT"/>
               </a:rPr>
               <a:t>Don’t</a:t>
             </a:r>
             <a:r>
-              <a:rPr dirty="0" sz="2800" spc="-15">
-                <a:latin typeface="Arial MT"/>
-                <a:cs typeface="Arial MT"/>
-              </a:rPr>
-              <a:t> </a:t>
-            </a:r>
-            <a:r>
-              <a:rPr dirty="0" sz="2800">
+              <a:rPr sz="2800" spc="-15" dirty="0">
+                <a:latin typeface="Arial MT"/>
+                <a:cs typeface="Arial MT"/>
+              </a:rPr>
+              <a:t> </a:t>
+            </a:r>
+            <a:r>
+              <a:rPr sz="2800" dirty="0">
                 <a:latin typeface="Arial MT"/>
                 <a:cs typeface="Arial MT"/>
               </a:rPr>
               <a:t>compare</a:t>
             </a:r>
             <a:r>
-              <a:rPr dirty="0" sz="2800" spc="-5">
+              <a:rPr sz="2800" spc="-5" dirty="0">
                 <a:latin typeface="Arial MT"/>
                 <a:cs typeface="Arial MT"/>
               </a:rPr>
               <a:t> floats/doubles</a:t>
             </a:r>
             <a:r>
-              <a:rPr dirty="0" sz="2800" spc="-10">
-                <a:latin typeface="Arial MT"/>
-                <a:cs typeface="Arial MT"/>
-              </a:rPr>
-              <a:t> </a:t>
-            </a:r>
-            <a:r>
-              <a:rPr dirty="0" sz="2800">
+              <a:rPr sz="2800" spc="-10" dirty="0">
+                <a:latin typeface="Arial MT"/>
+                <a:cs typeface="Arial MT"/>
+              </a:rPr>
+              <a:t> </a:t>
+            </a:r>
+            <a:r>
+              <a:rPr sz="2800" dirty="0">
                 <a:latin typeface="Arial MT"/>
                 <a:cs typeface="Arial MT"/>
               </a:rPr>
               <a:t>like</a:t>
             </a:r>
             <a:r>
-              <a:rPr dirty="0" sz="2800" spc="-5">
-                <a:latin typeface="Arial MT"/>
-                <a:cs typeface="Arial MT"/>
-              </a:rPr>
-              <a:t> </a:t>
-            </a:r>
-            <a:r>
-              <a:rPr dirty="0" sz="2800">
+              <a:rPr sz="2800" spc="-5" dirty="0">
+                <a:latin typeface="Arial MT"/>
+                <a:cs typeface="Arial MT"/>
+              </a:rPr>
+              <a:t> </a:t>
+            </a:r>
+            <a:r>
+              <a:rPr sz="2800" dirty="0">
                 <a:latin typeface="Arial MT"/>
                 <a:cs typeface="Arial MT"/>
               </a:rPr>
               <a:t>var_1</a:t>
             </a:r>
             <a:r>
-              <a:rPr dirty="0" sz="2800" spc="-10">
-                <a:latin typeface="Arial MT"/>
-                <a:cs typeface="Arial MT"/>
-              </a:rPr>
-              <a:t> </a:t>
-            </a:r>
-            <a:r>
-              <a:rPr dirty="0" sz="2800">
+              <a:rPr sz="2800" spc="-10" dirty="0">
+                <a:latin typeface="Arial MT"/>
+                <a:cs typeface="Arial MT"/>
+              </a:rPr>
+              <a:t> </a:t>
+            </a:r>
+            <a:r>
+              <a:rPr sz="2800" dirty="0">
                 <a:latin typeface="Arial MT"/>
                 <a:cs typeface="Arial MT"/>
               </a:rPr>
               <a:t>==</a:t>
             </a:r>
             <a:r>
-              <a:rPr dirty="0" sz="2800" spc="-5">
-                <a:latin typeface="Arial MT"/>
-                <a:cs typeface="Arial MT"/>
-              </a:rPr>
-              <a:t> </a:t>
-            </a:r>
-            <a:r>
-              <a:rPr dirty="0" sz="2800">
+              <a:rPr sz="2800" spc="-5" dirty="0">
+                <a:latin typeface="Arial MT"/>
+                <a:cs typeface="Arial MT"/>
+              </a:rPr>
+              <a:t> </a:t>
+            </a:r>
+            <a:r>
+              <a:rPr sz="2800" dirty="0">
                 <a:latin typeface="Arial MT"/>
                 <a:cs typeface="Arial MT"/>
               </a:rPr>
@@ -5493,7 +5627,7 @@
             </a:endParaRPr>
           </a:p>
           <a:p>
-            <a:pPr lvl="1" marL="698500" indent="-228600">
+            <a:pPr marL="698500" lvl="1" indent="-228600">
               <a:lnSpc>
                 <a:spcPct val="100000"/>
               </a:lnSpc>
@@ -5506,77 +5640,77 @@
               </a:tabLst>
             </a:pPr>
             <a:r>
-              <a:rPr dirty="0" sz="2800">
+              <a:rPr sz="2800" dirty="0">
                 <a:latin typeface="Arial MT"/>
                 <a:cs typeface="Arial MT"/>
               </a:rPr>
               <a:t>abs(var_1</a:t>
             </a:r>
             <a:r>
-              <a:rPr dirty="0" sz="2800" spc="-20">
-                <a:latin typeface="Arial MT"/>
-                <a:cs typeface="Arial MT"/>
-              </a:rPr>
-              <a:t> </a:t>
-            </a:r>
-            <a:r>
-              <a:rPr dirty="0" sz="2800">
+              <a:rPr sz="2800" spc="-20" dirty="0">
+                <a:latin typeface="Arial MT"/>
+                <a:cs typeface="Arial MT"/>
+              </a:rPr>
+              <a:t> </a:t>
+            </a:r>
+            <a:r>
+              <a:rPr sz="2800" dirty="0">
                 <a:latin typeface="Arial MT"/>
                 <a:cs typeface="Arial MT"/>
               </a:rPr>
               <a:t>-</a:t>
             </a:r>
             <a:r>
-              <a:rPr dirty="0" sz="2800" spc="-20">
-                <a:latin typeface="Arial MT"/>
-                <a:cs typeface="Arial MT"/>
-              </a:rPr>
-              <a:t> </a:t>
-            </a:r>
-            <a:r>
-              <a:rPr dirty="0" sz="2800">
+              <a:rPr sz="2800" spc="-20" dirty="0">
+                <a:latin typeface="Arial MT"/>
+                <a:cs typeface="Arial MT"/>
+              </a:rPr>
+              <a:t> </a:t>
+            </a:r>
+            <a:r>
+              <a:rPr sz="2800" dirty="0">
                 <a:latin typeface="Arial MT"/>
                 <a:cs typeface="Arial MT"/>
               </a:rPr>
               <a:t>var_2)</a:t>
             </a:r>
             <a:r>
-              <a:rPr dirty="0" sz="2800" spc="-20">
-                <a:latin typeface="Arial MT"/>
-                <a:cs typeface="Arial MT"/>
-              </a:rPr>
-              <a:t> </a:t>
-            </a:r>
-            <a:r>
-              <a:rPr dirty="0" sz="2800">
+              <a:rPr sz="2800" spc="-20" dirty="0">
+                <a:latin typeface="Arial MT"/>
+                <a:cs typeface="Arial MT"/>
+              </a:rPr>
+              <a:t> </a:t>
+            </a:r>
+            <a:r>
+              <a:rPr sz="2800" dirty="0">
                 <a:latin typeface="Arial MT"/>
                 <a:cs typeface="Arial MT"/>
               </a:rPr>
               <a:t>&lt;</a:t>
             </a:r>
             <a:r>
-              <a:rPr dirty="0" sz="2800" spc="-15">
-                <a:latin typeface="Arial MT"/>
-                <a:cs typeface="Arial MT"/>
-              </a:rPr>
-              <a:t> </a:t>
-            </a:r>
-            <a:r>
-              <a:rPr dirty="0" sz="2800">
+              <a:rPr sz="2800" spc="-15" dirty="0">
+                <a:latin typeface="Arial MT"/>
+                <a:cs typeface="Arial MT"/>
+              </a:rPr>
+              <a:t> </a:t>
+            </a:r>
+            <a:r>
+              <a:rPr sz="2800" dirty="0">
                 <a:latin typeface="Arial MT"/>
                 <a:cs typeface="Arial MT"/>
               </a:rPr>
               <a:t>eps</a:t>
             </a:r>
             <a:r>
-              <a:rPr dirty="0" sz="2800" spc="-25">
-                <a:latin typeface="Arial MT"/>
-                <a:cs typeface="Arial MT"/>
-              </a:rPr>
-              <a:t> </a:t>
-            </a:r>
-            <a:r>
-              <a:rPr dirty="0" sz="2800">
+              <a:rPr sz="2800" spc="-25" dirty="0">
+                <a:latin typeface="Arial MT"/>
+                <a:cs typeface="Arial MT"/>
+              </a:rPr>
+              <a:t> </a:t>
+            </a:r>
+            <a:r>
+              <a:rPr sz="2800" dirty="0">
                 <a:latin typeface="Arial MT"/>
                 <a:cs typeface="Arial MT"/>
               </a:rPr>
@@ -5601,105 +5735,105 @@
               </a:tabLst>
             </a:pPr>
             <a:r>
-              <a:rPr dirty="0" sz="2800">
+              <a:rPr sz="2800" dirty="0">
                 <a:latin typeface="Arial MT"/>
                 <a:cs typeface="Arial MT"/>
               </a:rPr>
               <a:t>Use</a:t>
             </a:r>
             <a:r>
-              <a:rPr dirty="0" sz="2800" spc="-5">
-                <a:latin typeface="Arial MT"/>
-                <a:cs typeface="Arial MT"/>
-              </a:rPr>
-              <a:t> </a:t>
-            </a:r>
-            <a:r>
-              <a:rPr dirty="0" sz="2800" b="1">
+              <a:rPr sz="2800" spc="-5" dirty="0">
+                <a:latin typeface="Arial MT"/>
+                <a:cs typeface="Arial MT"/>
+              </a:rPr>
+              <a:t> </a:t>
+            </a:r>
+            <a:r>
+              <a:rPr sz="2800" b="1" dirty="0">
                 <a:latin typeface="Arial"/>
                 <a:cs typeface="Arial"/>
               </a:rPr>
               <a:t>const</a:t>
             </a:r>
             <a:r>
-              <a:rPr dirty="0" sz="2800" spc="-5" b="1">
+              <a:rPr sz="2800" b="1" spc="-5" dirty="0">
                 <a:latin typeface="Arial"/>
                 <a:cs typeface="Arial"/>
               </a:rPr>
               <a:t> </a:t>
             </a:r>
             <a:r>
-              <a:rPr dirty="0" sz="2800" spc="-5">
+              <a:rPr sz="2800" spc="-5" dirty="0">
                 <a:latin typeface="Arial MT"/>
                 <a:cs typeface="Arial MT"/>
               </a:rPr>
               <a:t>and</a:t>
             </a:r>
             <a:r>
-              <a:rPr dirty="0" sz="2800" spc="5">
-                <a:latin typeface="Arial MT"/>
-                <a:cs typeface="Arial MT"/>
-              </a:rPr>
-              <a:t> </a:t>
-            </a:r>
-            <a:r>
-              <a:rPr dirty="0" sz="2800" spc="-5" b="1">
+              <a:rPr sz="2800" spc="5" dirty="0">
+                <a:latin typeface="Arial MT"/>
+                <a:cs typeface="Arial MT"/>
+              </a:rPr>
+              <a:t> </a:t>
+            </a:r>
+            <a:r>
+              <a:rPr sz="2800" b="1" spc="-5" dirty="0">
                 <a:latin typeface="Arial"/>
                 <a:cs typeface="Arial"/>
               </a:rPr>
               <a:t>references </a:t>
             </a:r>
             <a:r>
-              <a:rPr dirty="0" sz="2800">
+              <a:rPr sz="2800" dirty="0">
                 <a:latin typeface="Arial MT"/>
                 <a:cs typeface="Arial MT"/>
               </a:rPr>
               <a:t>in</a:t>
             </a:r>
             <a:r>
-              <a:rPr dirty="0" sz="2800" spc="5">
-                <a:latin typeface="Arial MT"/>
-                <a:cs typeface="Arial MT"/>
-              </a:rPr>
-              <a:t> </a:t>
-            </a:r>
-            <a:r>
-              <a:rPr dirty="0" sz="2800" spc="-5">
+              <a:rPr sz="2800" spc="5" dirty="0">
+                <a:latin typeface="Arial MT"/>
+                <a:cs typeface="Arial MT"/>
+              </a:rPr>
+              <a:t> </a:t>
+            </a:r>
+            <a:r>
+              <a:rPr sz="2800" spc="-5" dirty="0">
                 <a:latin typeface="Arial MT"/>
                 <a:cs typeface="Arial MT"/>
               </a:rPr>
               <a:t>function</a:t>
             </a:r>
             <a:r>
-              <a:rPr dirty="0" sz="2800">
-                <a:latin typeface="Arial MT"/>
-                <a:cs typeface="Arial MT"/>
-              </a:rPr>
-              <a:t> </a:t>
-            </a:r>
-            <a:r>
-              <a:rPr dirty="0" sz="2800" spc="-5">
+              <a:rPr sz="2800" dirty="0">
+                <a:latin typeface="Arial MT"/>
+                <a:cs typeface="Arial MT"/>
+              </a:rPr>
+              <a:t> </a:t>
+            </a:r>
+            <a:r>
+              <a:rPr sz="2800" spc="-5" dirty="0">
                 <a:latin typeface="Arial MT"/>
                 <a:cs typeface="Arial MT"/>
               </a:rPr>
               <a:t>arguments</a:t>
             </a:r>
             <a:r>
-              <a:rPr dirty="0" sz="2800">
+              <a:rPr sz="2800" dirty="0">
                 <a:latin typeface="Arial MT"/>
                 <a:cs typeface="Arial MT"/>
               </a:rPr>
               <a:t> if</a:t>
             </a:r>
             <a:r>
-              <a:rPr dirty="0" sz="2800" spc="-5">
-                <a:latin typeface="Arial MT"/>
-                <a:cs typeface="Arial MT"/>
-              </a:rPr>
-              <a:t> </a:t>
-            </a:r>
-            <a:r>
-              <a:rPr dirty="0" sz="2800">
+              <a:rPr sz="2800" spc="-5" dirty="0">
+                <a:latin typeface="Arial MT"/>
+                <a:cs typeface="Arial MT"/>
+              </a:rPr>
+              <a:t> </a:t>
+            </a:r>
+            <a:r>
+              <a:rPr sz="2800" dirty="0">
                 <a:latin typeface="Arial MT"/>
                 <a:cs typeface="Arial MT"/>
               </a:rPr>
@@ -5724,56 +5858,56 @@
               </a:tabLst>
             </a:pPr>
             <a:r>
-              <a:rPr dirty="0" sz="2800">
+              <a:rPr sz="2800" dirty="0">
                 <a:latin typeface="Arial MT"/>
                 <a:cs typeface="Arial MT"/>
               </a:rPr>
               <a:t>Make </a:t>
             </a:r>
             <a:r>
-              <a:rPr dirty="0" sz="2800" spc="-10">
+              <a:rPr sz="2800" spc="-10" dirty="0">
                 <a:latin typeface="Arial MT"/>
                 <a:cs typeface="Arial MT"/>
               </a:rPr>
               <a:t>difference</a:t>
             </a:r>
             <a:r>
-              <a:rPr dirty="0" sz="2800">
-                <a:latin typeface="Arial MT"/>
-                <a:cs typeface="Arial MT"/>
-              </a:rPr>
-              <a:t> </a:t>
-            </a:r>
-            <a:r>
-              <a:rPr dirty="0" sz="2800" spc="-5">
+              <a:rPr sz="2800" dirty="0">
+                <a:latin typeface="Arial MT"/>
+                <a:cs typeface="Arial MT"/>
+              </a:rPr>
+              <a:t> </a:t>
+            </a:r>
+            <a:r>
+              <a:rPr sz="2800" spc="-5" dirty="0">
                 <a:latin typeface="Arial MT"/>
                 <a:cs typeface="Arial MT"/>
               </a:rPr>
               <a:t>between </a:t>
             </a:r>
             <a:r>
-              <a:rPr dirty="0" sz="2800" spc="-5" b="1">
+              <a:rPr sz="2800" b="1" spc="-5" dirty="0">
                 <a:latin typeface="Arial"/>
                 <a:cs typeface="Arial"/>
               </a:rPr>
               <a:t>struct </a:t>
             </a:r>
             <a:r>
-              <a:rPr dirty="0" sz="2800" spc="-5">
+              <a:rPr sz="2800" spc="-5" dirty="0">
                 <a:latin typeface="Arial MT"/>
                 <a:cs typeface="Arial MT"/>
               </a:rPr>
               <a:t>and</a:t>
             </a:r>
             <a:r>
-              <a:rPr dirty="0" sz="2800">
-                <a:latin typeface="Arial MT"/>
-                <a:cs typeface="Arial MT"/>
-              </a:rPr>
-              <a:t> </a:t>
-            </a:r>
-            <a:r>
-              <a:rPr dirty="0" sz="2800" b="1">
+              <a:rPr sz="2800" dirty="0">
+                <a:latin typeface="Arial MT"/>
+                <a:cs typeface="Arial MT"/>
+              </a:rPr>
+              <a:t> </a:t>
+            </a:r>
+            <a:r>
+              <a:rPr sz="2800" b="1" dirty="0">
                 <a:latin typeface="Arial"/>
                 <a:cs typeface="Arial"/>
               </a:rPr>
